--- a/docs/Grafos e Árvores Apresentação.pptx
+++ b/docs/Grafos e Árvores Apresentação.pptx
@@ -29,18 +29,25 @@
   <p:notesSz cx="6858000" cy="9144000"/>
   <p:embeddedFontLst>
     <p:embeddedFont>
-      <p:font typeface="Open Sans" panose="020B0606030504020204" pitchFamily="34" charset="0"/>
+      <p:font typeface="Calibri" panose="020F0502020204030204" pitchFamily="34" charset="0"/>
       <p:regular r:id="rId19"/>
       <p:bold r:id="rId20"/>
       <p:italic r:id="rId21"/>
       <p:boldItalic r:id="rId22"/>
     </p:embeddedFont>
     <p:embeddedFont>
-      <p:font typeface="Open Sans Light" panose="020B0306030504020204" pitchFamily="34" charset="0"/>
+      <p:font typeface="Open Sans" panose="020B0604020202020204" charset="0"/>
       <p:regular r:id="rId23"/>
       <p:bold r:id="rId24"/>
       <p:italic r:id="rId25"/>
       <p:boldItalic r:id="rId26"/>
+    </p:embeddedFont>
+    <p:embeddedFont>
+      <p:font typeface="Open Sans Light" panose="020B0604020202020204" charset="0"/>
+      <p:regular r:id="rId27"/>
+      <p:bold r:id="rId28"/>
+      <p:italic r:id="rId29"/>
+      <p:boldItalic r:id="rId30"/>
     </p:embeddedFont>
   </p:embeddedFontLst>
   <p:defaultTextStyle>
@@ -807,8 +814,8 @@
         </p:nvSpPr>
         <p:spPr>
           <a:xfrm>
-            <a:off x="1143225" y="685800"/>
-            <a:ext cx="4572225" cy="3429000"/>
+            <a:off x="381000" y="685800"/>
+            <a:ext cx="6096000" cy="3429000"/>
           </a:xfrm>
           <a:custGeom>
             <a:avLst/>
@@ -1119,8 +1126,8 @@
         </p:nvSpPr>
         <p:spPr>
           <a:xfrm>
-            <a:off x="1143225" y="685800"/>
-            <a:ext cx="4572225" cy="3429000"/>
+            <a:off x="381000" y="685800"/>
+            <a:ext cx="6096000" cy="3429000"/>
           </a:xfrm>
           <a:custGeom>
             <a:avLst/>
@@ -1223,8 +1230,8 @@
         </p:nvSpPr>
         <p:spPr>
           <a:xfrm>
-            <a:off x="1143225" y="685800"/>
-            <a:ext cx="4572225" cy="3429000"/>
+            <a:off x="381000" y="685800"/>
+            <a:ext cx="6096000" cy="3429000"/>
           </a:xfrm>
           <a:custGeom>
             <a:avLst/>
@@ -1639,8 +1646,8 @@
         </p:nvSpPr>
         <p:spPr>
           <a:xfrm>
-            <a:off x="1143225" y="685800"/>
-            <a:ext cx="4572225" cy="3429000"/>
+            <a:off x="381000" y="685800"/>
+            <a:ext cx="6096000" cy="3429000"/>
           </a:xfrm>
           <a:custGeom>
             <a:avLst/>
@@ -1847,8 +1854,8 @@
         </p:nvSpPr>
         <p:spPr>
           <a:xfrm>
-            <a:off x="1143225" y="685800"/>
-            <a:ext cx="4572225" cy="3429000"/>
+            <a:off x="381000" y="685800"/>
+            <a:ext cx="6096000" cy="3429000"/>
           </a:xfrm>
           <a:custGeom>
             <a:avLst/>
@@ -1951,8 +1958,8 @@
         </p:nvSpPr>
         <p:spPr>
           <a:xfrm>
-            <a:off x="1143225" y="685800"/>
-            <a:ext cx="4572225" cy="3429000"/>
+            <a:off x="381000" y="685800"/>
+            <a:ext cx="6096000" cy="3429000"/>
           </a:xfrm>
           <a:custGeom>
             <a:avLst/>
@@ -2055,8 +2062,8 @@
         </p:nvSpPr>
         <p:spPr>
           <a:xfrm>
-            <a:off x="1143225" y="685800"/>
-            <a:ext cx="4572225" cy="3429000"/>
+            <a:off x="381000" y="685800"/>
+            <a:ext cx="6096000" cy="3429000"/>
           </a:xfrm>
           <a:custGeom>
             <a:avLst/>
@@ -2159,8 +2166,8 @@
         </p:nvSpPr>
         <p:spPr>
           <a:xfrm>
-            <a:off x="1143225" y="685800"/>
-            <a:ext cx="4572225" cy="3429000"/>
+            <a:off x="381000" y="685800"/>
+            <a:ext cx="6096000" cy="3429000"/>
           </a:xfrm>
           <a:custGeom>
             <a:avLst/>
@@ -2367,8 +2374,8 @@
         </p:nvSpPr>
         <p:spPr>
           <a:xfrm>
-            <a:off x="1143225" y="685800"/>
-            <a:ext cx="4572225" cy="3429000"/>
+            <a:off x="381000" y="685800"/>
+            <a:ext cx="6096000" cy="3429000"/>
           </a:xfrm>
           <a:custGeom>
             <a:avLst/>
@@ -13215,7 +13222,7 @@
         <p:spPr>
           <a:xfrm>
             <a:off x="2431850" y="6094875"/>
-            <a:ext cx="6135900" cy="920400"/>
+            <a:ext cx="7130604" cy="920400"/>
           </a:xfrm>
           <a:prstGeom prst="rect">
             <a:avLst/>
@@ -13241,7 +13248,7 @@
               <a:buNone/>
             </a:pPr>
             <a:r>
-              <a:rPr lang="en-US" sz="3200">
+              <a:rPr lang="en-US" sz="3200" dirty="0">
                 <a:solidFill>
                   <a:schemeClr val="lt1"/>
                 </a:solidFill>
@@ -13250,9 +13257,33 @@
                 <a:cs typeface="Calibri"/>
                 <a:sym typeface="Calibri"/>
               </a:rPr>
-              <a:t>Prof. Floriano Ferreira dos Reis Filho</a:t>
-            </a:r>
-            <a:endParaRPr sz="3200">
+              <a:t>Prof. </a:t>
+            </a:r>
+            <a:r>
+              <a:rPr lang="en-US" sz="3200" dirty="0" err="1">
+                <a:solidFill>
+                  <a:schemeClr val="lt1"/>
+                </a:solidFill>
+                <a:latin typeface="Calibri"/>
+                <a:ea typeface="Calibri"/>
+                <a:cs typeface="Calibri"/>
+                <a:sym typeface="Calibri"/>
+              </a:rPr>
+              <a:t>Floriano</a:t>
+            </a:r>
+            <a:r>
+              <a:rPr lang="en-US" sz="3200" dirty="0">
+                <a:solidFill>
+                  <a:schemeClr val="lt1"/>
+                </a:solidFill>
+                <a:latin typeface="Calibri"/>
+                <a:ea typeface="Calibri"/>
+                <a:cs typeface="Calibri"/>
+                <a:sym typeface="Calibri"/>
+              </a:rPr>
+              <a:t> Ferreira dos Reis Filho</a:t>
+            </a:r>
+            <a:endParaRPr sz="3200" dirty="0">
               <a:solidFill>
                 <a:schemeClr val="lt1"/>
               </a:solidFill>
@@ -16462,7 +16493,7 @@
         </p:nvSpPr>
         <p:spPr>
           <a:xfrm>
-            <a:off x="395575" y="4190412"/>
+            <a:off x="395575" y="4562370"/>
             <a:ext cx="7504242" cy="3879168"/>
           </a:xfrm>
           <a:custGeom>
@@ -16707,7 +16738,7 @@
               <a:buNone/>
             </a:pPr>
             <a:r>
-              <a:rPr lang="en-US" sz="2100">
+              <a:rPr lang="en-US" sz="2100" dirty="0" err="1">
                 <a:solidFill>
                   <a:srgbClr val="023D54"/>
                 </a:solidFill>
@@ -16716,9 +16747,213 @@
                 <a:cs typeface="Open Sans"/>
                 <a:sym typeface="Open Sans"/>
               </a:rPr>
-              <a:t>Nesse exemplo usando Lista Ligada cada nó da lista será um vértice:</a:t>
-            </a:r>
-            <a:endParaRPr/>
+              <a:t>Nesse</a:t>
+            </a:r>
+            <a:r>
+              <a:rPr lang="en-US" sz="2100" dirty="0">
+                <a:solidFill>
+                  <a:srgbClr val="023D54"/>
+                </a:solidFill>
+                <a:latin typeface="Open Sans"/>
+                <a:ea typeface="Open Sans"/>
+                <a:cs typeface="Open Sans"/>
+                <a:sym typeface="Open Sans"/>
+              </a:rPr>
+              <a:t> </a:t>
+            </a:r>
+            <a:r>
+              <a:rPr lang="en-US" sz="2100" dirty="0" err="1">
+                <a:solidFill>
+                  <a:srgbClr val="023D54"/>
+                </a:solidFill>
+                <a:latin typeface="Open Sans"/>
+                <a:ea typeface="Open Sans"/>
+                <a:cs typeface="Open Sans"/>
+                <a:sym typeface="Open Sans"/>
+              </a:rPr>
+              <a:t>exemplo</a:t>
+            </a:r>
+            <a:r>
+              <a:rPr lang="en-US" sz="2100" dirty="0">
+                <a:solidFill>
+                  <a:srgbClr val="023D54"/>
+                </a:solidFill>
+                <a:latin typeface="Open Sans"/>
+                <a:ea typeface="Open Sans"/>
+                <a:cs typeface="Open Sans"/>
+                <a:sym typeface="Open Sans"/>
+              </a:rPr>
+              <a:t> </a:t>
+            </a:r>
+            <a:r>
+              <a:rPr lang="en-US" sz="2100" dirty="0" err="1">
+                <a:solidFill>
+                  <a:srgbClr val="023D54"/>
+                </a:solidFill>
+                <a:latin typeface="Open Sans"/>
+                <a:ea typeface="Open Sans"/>
+                <a:cs typeface="Open Sans"/>
+                <a:sym typeface="Open Sans"/>
+              </a:rPr>
+              <a:t>usando</a:t>
+            </a:r>
+            <a:r>
+              <a:rPr lang="en-US" sz="2100" dirty="0">
+                <a:solidFill>
+                  <a:srgbClr val="023D54"/>
+                </a:solidFill>
+                <a:latin typeface="Open Sans"/>
+                <a:ea typeface="Open Sans"/>
+                <a:cs typeface="Open Sans"/>
+                <a:sym typeface="Open Sans"/>
+              </a:rPr>
+              <a:t> Lista </a:t>
+            </a:r>
+            <a:r>
+              <a:rPr lang="en-US" sz="2100" dirty="0" err="1">
+                <a:solidFill>
+                  <a:srgbClr val="023D54"/>
+                </a:solidFill>
+                <a:latin typeface="Open Sans"/>
+                <a:ea typeface="Open Sans"/>
+                <a:cs typeface="Open Sans"/>
+                <a:sym typeface="Open Sans"/>
+              </a:rPr>
+              <a:t>Ligada</a:t>
+            </a:r>
+            <a:r>
+              <a:rPr lang="en-US" sz="2100" dirty="0">
+                <a:solidFill>
+                  <a:srgbClr val="023D54"/>
+                </a:solidFill>
+                <a:latin typeface="Open Sans"/>
+                <a:ea typeface="Open Sans"/>
+                <a:cs typeface="Open Sans"/>
+                <a:sym typeface="Open Sans"/>
+              </a:rPr>
+              <a:t> </a:t>
+            </a:r>
+            <a:r>
+              <a:rPr lang="en-US" sz="2100" dirty="0" err="1">
+                <a:solidFill>
+                  <a:srgbClr val="023D54"/>
+                </a:solidFill>
+                <a:latin typeface="Open Sans"/>
+                <a:ea typeface="Open Sans"/>
+                <a:cs typeface="Open Sans"/>
+                <a:sym typeface="Open Sans"/>
+              </a:rPr>
+              <a:t>cada</a:t>
+            </a:r>
+            <a:r>
+              <a:rPr lang="en-US" sz="2100" dirty="0">
+                <a:solidFill>
+                  <a:srgbClr val="023D54"/>
+                </a:solidFill>
+                <a:latin typeface="Open Sans"/>
+                <a:ea typeface="Open Sans"/>
+                <a:cs typeface="Open Sans"/>
+                <a:sym typeface="Open Sans"/>
+              </a:rPr>
+              <a:t> </a:t>
+            </a:r>
+            <a:r>
+              <a:rPr lang="en-US" sz="2100" dirty="0" err="1">
+                <a:solidFill>
+                  <a:srgbClr val="023D54"/>
+                </a:solidFill>
+                <a:latin typeface="Open Sans"/>
+                <a:ea typeface="Open Sans"/>
+                <a:cs typeface="Open Sans"/>
+                <a:sym typeface="Open Sans"/>
+              </a:rPr>
+              <a:t>nó</a:t>
+            </a:r>
+            <a:r>
+              <a:rPr lang="en-US" sz="2100" dirty="0">
+                <a:solidFill>
+                  <a:srgbClr val="023D54"/>
+                </a:solidFill>
+                <a:latin typeface="Open Sans"/>
+                <a:ea typeface="Open Sans"/>
+                <a:cs typeface="Open Sans"/>
+                <a:sym typeface="Open Sans"/>
+              </a:rPr>
+              <a:t> da </a:t>
+            </a:r>
+            <a:r>
+              <a:rPr lang="en-US" sz="2100" dirty="0" err="1">
+                <a:solidFill>
+                  <a:srgbClr val="023D54"/>
+                </a:solidFill>
+                <a:latin typeface="Open Sans"/>
+                <a:ea typeface="Open Sans"/>
+                <a:cs typeface="Open Sans"/>
+                <a:sym typeface="Open Sans"/>
+              </a:rPr>
+              <a:t>lista</a:t>
+            </a:r>
+            <a:r>
+              <a:rPr lang="en-US" sz="2100" dirty="0">
+                <a:solidFill>
+                  <a:srgbClr val="023D54"/>
+                </a:solidFill>
+                <a:latin typeface="Open Sans"/>
+                <a:ea typeface="Open Sans"/>
+                <a:cs typeface="Open Sans"/>
+                <a:sym typeface="Open Sans"/>
+              </a:rPr>
+              <a:t> </a:t>
+            </a:r>
+            <a:r>
+              <a:rPr lang="en-US" sz="2100" dirty="0" err="1">
+                <a:solidFill>
+                  <a:srgbClr val="023D54"/>
+                </a:solidFill>
+                <a:latin typeface="Open Sans"/>
+                <a:ea typeface="Open Sans"/>
+                <a:cs typeface="Open Sans"/>
+                <a:sym typeface="Open Sans"/>
+              </a:rPr>
+              <a:t>será</a:t>
+            </a:r>
+            <a:r>
+              <a:rPr lang="en-US" sz="2100" dirty="0">
+                <a:solidFill>
+                  <a:srgbClr val="023D54"/>
+                </a:solidFill>
+                <a:latin typeface="Open Sans"/>
+                <a:ea typeface="Open Sans"/>
+                <a:cs typeface="Open Sans"/>
+                <a:sym typeface="Open Sans"/>
+              </a:rPr>
+              <a:t> um </a:t>
+            </a:r>
+            <a:r>
+              <a:rPr lang="en-US" sz="2100" dirty="0" err="1">
+                <a:solidFill>
+                  <a:srgbClr val="023D54"/>
+                </a:solidFill>
+                <a:latin typeface="Open Sans"/>
+                <a:ea typeface="Open Sans"/>
+                <a:cs typeface="Open Sans"/>
+                <a:sym typeface="Open Sans"/>
+              </a:rPr>
+              <a:t>vértice</a:t>
+            </a:r>
+            <a:r>
+              <a:rPr lang="en-US" sz="2100" dirty="0">
+                <a:solidFill>
+                  <a:srgbClr val="023D54"/>
+                </a:solidFill>
+                <a:latin typeface="Open Sans"/>
+                <a:ea typeface="Open Sans"/>
+                <a:cs typeface="Open Sans"/>
+                <a:sym typeface="Open Sans"/>
+              </a:rPr>
+              <a:t>:</a:t>
+            </a:r>
+            <a:endParaRPr dirty="0"/>
           </a:p>
           <a:p>
             <a:pPr marL="0" marR="0" lvl="0" indent="0" algn="ctr" rtl="0">
@@ -16733,7 +16968,7 @@
               </a:spcAft>
               <a:buNone/>
             </a:pPr>
-            <a:endParaRPr sz="2100">
+            <a:endParaRPr sz="2100" dirty="0">
               <a:solidFill>
                 <a:srgbClr val="023D54"/>
               </a:solidFill>
@@ -17696,7 +17931,7 @@
         </p:nvSpPr>
         <p:spPr>
           <a:xfrm>
-            <a:off x="401257" y="4276737"/>
+            <a:off x="401257" y="4338729"/>
             <a:ext cx="8589588" cy="3176358"/>
           </a:xfrm>
           <a:custGeom>
@@ -24448,7 +24683,7 @@
         <p:spPr>
           <a:xfrm>
             <a:off x="1657113" y="1512259"/>
-            <a:ext cx="7557058" cy="1950720"/>
+            <a:ext cx="7557058" cy="2400657"/>
           </a:xfrm>
           <a:prstGeom prst="rect">
             <a:avLst/>
@@ -24477,7 +24712,7 @@
               <a:buNone/>
             </a:pPr>
             <a:r>
-              <a:rPr lang="en-US" sz="2400">
+              <a:rPr lang="en-US" sz="2400" dirty="0">
                 <a:solidFill>
                   <a:srgbClr val="545454"/>
                 </a:solidFill>
@@ -24486,9 +24721,585 @@
                 <a:cs typeface="Arial"/>
                 <a:sym typeface="Arial"/>
               </a:rPr>
-              <a:t>Conjunto de vertices e arestas, a representação mais comum do grafo é por meio de diagramas, os grafos serem para representar qualquer relação(representada por uma linha, aresta) entre dois pontos (representada por uma bolinha, vertices)</a:t>
-            </a:r>
-            <a:endParaRPr/>
+              <a:t>Conjunto de </a:t>
+            </a:r>
+            <a:r>
+              <a:rPr lang="en-US" sz="2400" dirty="0" err="1">
+                <a:solidFill>
+                  <a:srgbClr val="545454"/>
+                </a:solidFill>
+                <a:latin typeface="Arial"/>
+                <a:ea typeface="Arial"/>
+                <a:cs typeface="Arial"/>
+                <a:sym typeface="Arial"/>
+              </a:rPr>
+              <a:t>vértices</a:t>
+            </a:r>
+            <a:r>
+              <a:rPr lang="en-US" sz="2400" dirty="0">
+                <a:solidFill>
+                  <a:srgbClr val="545454"/>
+                </a:solidFill>
+                <a:latin typeface="Arial"/>
+                <a:ea typeface="Arial"/>
+                <a:cs typeface="Arial"/>
+                <a:sym typeface="Arial"/>
+              </a:rPr>
+              <a:t> e </a:t>
+            </a:r>
+            <a:r>
+              <a:rPr lang="en-US" sz="2400" dirty="0" err="1">
+                <a:solidFill>
+                  <a:srgbClr val="545454"/>
+                </a:solidFill>
+                <a:latin typeface="Arial"/>
+                <a:ea typeface="Arial"/>
+                <a:cs typeface="Arial"/>
+                <a:sym typeface="Arial"/>
+              </a:rPr>
+              <a:t>arestas</a:t>
+            </a:r>
+            <a:r>
+              <a:rPr lang="en-US" sz="2400" dirty="0">
+                <a:solidFill>
+                  <a:srgbClr val="545454"/>
+                </a:solidFill>
+                <a:latin typeface="Arial"/>
+                <a:ea typeface="Arial"/>
+                <a:cs typeface="Arial"/>
+                <a:sym typeface="Arial"/>
+              </a:rPr>
+              <a:t>, a </a:t>
+            </a:r>
+            <a:r>
+              <a:rPr lang="en-US" sz="2400" dirty="0" err="1">
+                <a:solidFill>
+                  <a:srgbClr val="545454"/>
+                </a:solidFill>
+                <a:latin typeface="Arial"/>
+                <a:ea typeface="Arial"/>
+                <a:cs typeface="Arial"/>
+                <a:sym typeface="Arial"/>
+              </a:rPr>
+              <a:t>representação</a:t>
+            </a:r>
+            <a:r>
+              <a:rPr lang="en-US" sz="2400" dirty="0">
+                <a:solidFill>
+                  <a:srgbClr val="545454"/>
+                </a:solidFill>
+                <a:latin typeface="Arial"/>
+                <a:ea typeface="Arial"/>
+                <a:cs typeface="Arial"/>
+                <a:sym typeface="Arial"/>
+              </a:rPr>
+              <a:t> </a:t>
+            </a:r>
+            <a:r>
+              <a:rPr lang="en-US" sz="2400" dirty="0" err="1">
+                <a:solidFill>
+                  <a:srgbClr val="545454"/>
+                </a:solidFill>
+                <a:latin typeface="Arial"/>
+                <a:ea typeface="Arial"/>
+                <a:cs typeface="Arial"/>
+                <a:sym typeface="Arial"/>
+              </a:rPr>
+              <a:t>mais</a:t>
+            </a:r>
+            <a:r>
+              <a:rPr lang="en-US" sz="2400" dirty="0">
+                <a:solidFill>
+                  <a:srgbClr val="545454"/>
+                </a:solidFill>
+                <a:latin typeface="Arial"/>
+                <a:ea typeface="Arial"/>
+                <a:cs typeface="Arial"/>
+                <a:sym typeface="Arial"/>
+              </a:rPr>
+              <a:t> </a:t>
+            </a:r>
+            <a:r>
+              <a:rPr lang="en-US" sz="2400" dirty="0" err="1">
+                <a:solidFill>
+                  <a:srgbClr val="545454"/>
+                </a:solidFill>
+                <a:latin typeface="Arial"/>
+                <a:ea typeface="Arial"/>
+                <a:cs typeface="Arial"/>
+                <a:sym typeface="Arial"/>
+              </a:rPr>
+              <a:t>comum</a:t>
+            </a:r>
+            <a:r>
+              <a:rPr lang="en-US" sz="2400" dirty="0">
+                <a:solidFill>
+                  <a:srgbClr val="545454"/>
+                </a:solidFill>
+                <a:latin typeface="Arial"/>
+                <a:ea typeface="Arial"/>
+                <a:cs typeface="Arial"/>
+                <a:sym typeface="Arial"/>
+              </a:rPr>
+              <a:t> do </a:t>
+            </a:r>
+            <a:r>
+              <a:rPr lang="en-US" sz="2400" dirty="0" err="1">
+                <a:solidFill>
+                  <a:srgbClr val="545454"/>
+                </a:solidFill>
+                <a:latin typeface="Arial"/>
+                <a:ea typeface="Arial"/>
+                <a:cs typeface="Arial"/>
+                <a:sym typeface="Arial"/>
+              </a:rPr>
+              <a:t>grafo</a:t>
+            </a:r>
+            <a:r>
+              <a:rPr lang="en-US" sz="2400" dirty="0">
+                <a:solidFill>
+                  <a:srgbClr val="545454"/>
+                </a:solidFill>
+                <a:latin typeface="Arial"/>
+                <a:ea typeface="Arial"/>
+                <a:cs typeface="Arial"/>
+                <a:sym typeface="Arial"/>
+              </a:rPr>
+              <a:t> é por </a:t>
+            </a:r>
+            <a:r>
+              <a:rPr lang="en-US" sz="2400" dirty="0" err="1">
+                <a:solidFill>
+                  <a:srgbClr val="545454"/>
+                </a:solidFill>
+                <a:latin typeface="Arial"/>
+                <a:ea typeface="Arial"/>
+                <a:cs typeface="Arial"/>
+                <a:sym typeface="Arial"/>
+              </a:rPr>
+              <a:t>meio</a:t>
+            </a:r>
+            <a:r>
+              <a:rPr lang="en-US" sz="2400" dirty="0">
+                <a:solidFill>
+                  <a:srgbClr val="545454"/>
+                </a:solidFill>
+                <a:latin typeface="Arial"/>
+                <a:ea typeface="Arial"/>
+                <a:cs typeface="Arial"/>
+                <a:sym typeface="Arial"/>
+              </a:rPr>
+              <a:t> de </a:t>
+            </a:r>
+            <a:r>
+              <a:rPr lang="en-US" sz="2400" dirty="0" err="1">
+                <a:solidFill>
+                  <a:srgbClr val="545454"/>
+                </a:solidFill>
+                <a:latin typeface="Arial"/>
+                <a:ea typeface="Arial"/>
+                <a:cs typeface="Arial"/>
+                <a:sym typeface="Arial"/>
+              </a:rPr>
+              <a:t>diagramas</a:t>
+            </a:r>
+            <a:r>
+              <a:rPr lang="en-US" sz="2400" dirty="0">
+                <a:solidFill>
+                  <a:srgbClr val="545454"/>
+                </a:solidFill>
+                <a:latin typeface="Arial"/>
+                <a:ea typeface="Arial"/>
+                <a:cs typeface="Arial"/>
+                <a:sym typeface="Arial"/>
+              </a:rPr>
+              <a:t>, </a:t>
+            </a:r>
+            <a:r>
+              <a:rPr lang="en-US" sz="2400" dirty="0" err="1">
+                <a:solidFill>
+                  <a:srgbClr val="545454"/>
+                </a:solidFill>
+                <a:latin typeface="Arial"/>
+                <a:ea typeface="Arial"/>
+                <a:cs typeface="Arial"/>
+                <a:sym typeface="Arial"/>
+              </a:rPr>
+              <a:t>os</a:t>
+            </a:r>
+            <a:r>
+              <a:rPr lang="en-US" sz="2400" dirty="0">
+                <a:solidFill>
+                  <a:srgbClr val="545454"/>
+                </a:solidFill>
+                <a:latin typeface="Arial"/>
+                <a:ea typeface="Arial"/>
+                <a:cs typeface="Arial"/>
+                <a:sym typeface="Arial"/>
+              </a:rPr>
+              <a:t> </a:t>
+            </a:r>
+            <a:r>
+              <a:rPr lang="en-US" sz="2400" dirty="0" err="1">
+                <a:solidFill>
+                  <a:srgbClr val="545454"/>
+                </a:solidFill>
+                <a:latin typeface="Arial"/>
+                <a:ea typeface="Arial"/>
+                <a:cs typeface="Arial"/>
+                <a:sym typeface="Arial"/>
+              </a:rPr>
+              <a:t>grafos</a:t>
+            </a:r>
+            <a:r>
+              <a:rPr lang="en-US" sz="2400" dirty="0">
+                <a:solidFill>
+                  <a:srgbClr val="545454"/>
+                </a:solidFill>
+                <a:latin typeface="Arial"/>
+                <a:ea typeface="Arial"/>
+                <a:cs typeface="Arial"/>
+                <a:sym typeface="Arial"/>
+              </a:rPr>
+              <a:t> </a:t>
+            </a:r>
+            <a:r>
+              <a:rPr lang="en-US" sz="2400" dirty="0" err="1">
+                <a:solidFill>
+                  <a:srgbClr val="545454"/>
+                </a:solidFill>
+                <a:latin typeface="Arial"/>
+                <a:ea typeface="Arial"/>
+                <a:cs typeface="Arial"/>
+                <a:sym typeface="Arial"/>
+              </a:rPr>
+              <a:t>serem</a:t>
+            </a:r>
+            <a:r>
+              <a:rPr lang="en-US" sz="2400" dirty="0">
+                <a:solidFill>
+                  <a:srgbClr val="545454"/>
+                </a:solidFill>
+                <a:latin typeface="Arial"/>
+                <a:ea typeface="Arial"/>
+                <a:cs typeface="Arial"/>
+                <a:sym typeface="Arial"/>
+              </a:rPr>
+              <a:t> para </a:t>
+            </a:r>
+            <a:r>
+              <a:rPr lang="en-US" sz="2400" dirty="0" err="1">
+                <a:solidFill>
+                  <a:srgbClr val="545454"/>
+                </a:solidFill>
+                <a:latin typeface="Arial"/>
+                <a:ea typeface="Arial"/>
+                <a:cs typeface="Arial"/>
+                <a:sym typeface="Arial"/>
+              </a:rPr>
+              <a:t>representar</a:t>
+            </a:r>
+            <a:r>
+              <a:rPr lang="en-US" sz="2400" dirty="0">
+                <a:solidFill>
+                  <a:srgbClr val="545454"/>
+                </a:solidFill>
+                <a:latin typeface="Arial"/>
+                <a:ea typeface="Arial"/>
+                <a:cs typeface="Arial"/>
+                <a:sym typeface="Arial"/>
+              </a:rPr>
+              <a:t> </a:t>
+            </a:r>
+            <a:r>
+              <a:rPr lang="en-US" sz="2400" dirty="0" err="1">
+                <a:solidFill>
+                  <a:srgbClr val="545454"/>
+                </a:solidFill>
+                <a:latin typeface="Arial"/>
+                <a:ea typeface="Arial"/>
+                <a:cs typeface="Arial"/>
+                <a:sym typeface="Arial"/>
+              </a:rPr>
+              <a:t>qualquer</a:t>
+            </a:r>
+            <a:r>
+              <a:rPr lang="en-US" sz="2400" dirty="0">
+                <a:solidFill>
+                  <a:srgbClr val="545454"/>
+                </a:solidFill>
+                <a:latin typeface="Arial"/>
+                <a:ea typeface="Arial"/>
+                <a:cs typeface="Arial"/>
+                <a:sym typeface="Arial"/>
+              </a:rPr>
+              <a:t> </a:t>
+            </a:r>
+            <a:r>
+              <a:rPr lang="en-US" sz="2400" dirty="0" err="1">
+                <a:solidFill>
+                  <a:srgbClr val="545454"/>
+                </a:solidFill>
+                <a:latin typeface="Arial"/>
+                <a:ea typeface="Arial"/>
+                <a:cs typeface="Arial"/>
+                <a:sym typeface="Arial"/>
+              </a:rPr>
+              <a:t>relação</a:t>
+            </a:r>
+            <a:r>
+              <a:rPr lang="en-US" sz="2400" dirty="0">
+                <a:solidFill>
+                  <a:srgbClr val="545454"/>
+                </a:solidFill>
+                <a:latin typeface="Arial"/>
+                <a:ea typeface="Arial"/>
+                <a:cs typeface="Arial"/>
+                <a:sym typeface="Arial"/>
+              </a:rPr>
+              <a:t>(</a:t>
+            </a:r>
+            <a:r>
+              <a:rPr lang="en-US" sz="2400" dirty="0" err="1">
+                <a:solidFill>
+                  <a:srgbClr val="545454"/>
+                </a:solidFill>
+                <a:latin typeface="Arial"/>
+                <a:ea typeface="Arial"/>
+                <a:cs typeface="Arial"/>
+                <a:sym typeface="Arial"/>
+              </a:rPr>
+              <a:t>representada</a:t>
+            </a:r>
+            <a:r>
+              <a:rPr lang="en-US" sz="2400" dirty="0">
+                <a:solidFill>
+                  <a:srgbClr val="545454"/>
+                </a:solidFill>
+                <a:latin typeface="Arial"/>
+                <a:ea typeface="Arial"/>
+                <a:cs typeface="Arial"/>
+                <a:sym typeface="Arial"/>
+              </a:rPr>
+              <a:t> por </a:t>
+            </a:r>
+            <a:r>
+              <a:rPr lang="en-US" sz="2400" dirty="0" err="1">
+                <a:solidFill>
+                  <a:srgbClr val="545454"/>
+                </a:solidFill>
+                <a:latin typeface="Arial"/>
+                <a:ea typeface="Arial"/>
+                <a:cs typeface="Arial"/>
+                <a:sym typeface="Arial"/>
+              </a:rPr>
+              <a:t>uma</a:t>
+            </a:r>
+            <a:r>
+              <a:rPr lang="en-US" sz="2400" dirty="0">
+                <a:solidFill>
+                  <a:srgbClr val="545454"/>
+                </a:solidFill>
+                <a:latin typeface="Arial"/>
+                <a:ea typeface="Arial"/>
+                <a:cs typeface="Arial"/>
+                <a:sym typeface="Arial"/>
+              </a:rPr>
+              <a:t> </a:t>
+            </a:r>
+            <a:r>
+              <a:rPr lang="en-US" sz="2400" dirty="0" err="1">
+                <a:solidFill>
+                  <a:srgbClr val="545454"/>
+                </a:solidFill>
+                <a:latin typeface="Arial"/>
+                <a:ea typeface="Arial"/>
+                <a:cs typeface="Arial"/>
+                <a:sym typeface="Arial"/>
+              </a:rPr>
+              <a:t>linha</a:t>
+            </a:r>
+            <a:r>
+              <a:rPr lang="en-US" sz="2400" dirty="0">
+                <a:solidFill>
+                  <a:srgbClr val="545454"/>
+                </a:solidFill>
+                <a:latin typeface="Arial"/>
+                <a:ea typeface="Arial"/>
+                <a:cs typeface="Arial"/>
+                <a:sym typeface="Arial"/>
+              </a:rPr>
+              <a:t>, </a:t>
+            </a:r>
+            <a:r>
+              <a:rPr lang="en-US" sz="2400" dirty="0" err="1">
+                <a:solidFill>
+                  <a:srgbClr val="545454"/>
+                </a:solidFill>
+                <a:latin typeface="Arial"/>
+                <a:ea typeface="Arial"/>
+                <a:cs typeface="Arial"/>
+                <a:sym typeface="Arial"/>
+              </a:rPr>
+              <a:t>aresta</a:t>
+            </a:r>
+            <a:r>
+              <a:rPr lang="en-US" sz="2400" dirty="0">
+                <a:solidFill>
+                  <a:srgbClr val="545454"/>
+                </a:solidFill>
+                <a:latin typeface="Arial"/>
+                <a:ea typeface="Arial"/>
+                <a:cs typeface="Arial"/>
+                <a:sym typeface="Arial"/>
+              </a:rPr>
+              <a:t>) entre </a:t>
+            </a:r>
+            <a:r>
+              <a:rPr lang="en-US" sz="2400" dirty="0" err="1">
+                <a:solidFill>
+                  <a:srgbClr val="545454"/>
+                </a:solidFill>
+                <a:latin typeface="Arial"/>
+                <a:ea typeface="Arial"/>
+                <a:cs typeface="Arial"/>
+                <a:sym typeface="Arial"/>
+              </a:rPr>
+              <a:t>dois</a:t>
+            </a:r>
+            <a:r>
+              <a:rPr lang="en-US" sz="2400" dirty="0">
+                <a:solidFill>
+                  <a:srgbClr val="545454"/>
+                </a:solidFill>
+                <a:latin typeface="Arial"/>
+                <a:ea typeface="Arial"/>
+                <a:cs typeface="Arial"/>
+                <a:sym typeface="Arial"/>
+              </a:rPr>
+              <a:t> </a:t>
+            </a:r>
+            <a:r>
+              <a:rPr lang="en-US" sz="2400" dirty="0" err="1">
+                <a:solidFill>
+                  <a:srgbClr val="545454"/>
+                </a:solidFill>
+                <a:latin typeface="Arial"/>
+                <a:ea typeface="Arial"/>
+                <a:cs typeface="Arial"/>
+                <a:sym typeface="Arial"/>
+              </a:rPr>
+              <a:t>pontos</a:t>
+            </a:r>
+            <a:r>
+              <a:rPr lang="en-US" sz="2400" dirty="0">
+                <a:solidFill>
+                  <a:srgbClr val="545454"/>
+                </a:solidFill>
+                <a:latin typeface="Arial"/>
+                <a:ea typeface="Arial"/>
+                <a:cs typeface="Arial"/>
+                <a:sym typeface="Arial"/>
+              </a:rPr>
+              <a:t> (</a:t>
+            </a:r>
+            <a:r>
+              <a:rPr lang="en-US" sz="2400" dirty="0" err="1">
+                <a:solidFill>
+                  <a:srgbClr val="545454"/>
+                </a:solidFill>
+                <a:latin typeface="Arial"/>
+                <a:ea typeface="Arial"/>
+                <a:cs typeface="Arial"/>
+                <a:sym typeface="Arial"/>
+              </a:rPr>
+              <a:t>representada</a:t>
+            </a:r>
+            <a:r>
+              <a:rPr lang="en-US" sz="2400" dirty="0">
+                <a:solidFill>
+                  <a:srgbClr val="545454"/>
+                </a:solidFill>
+                <a:latin typeface="Arial"/>
+                <a:ea typeface="Arial"/>
+                <a:cs typeface="Arial"/>
+                <a:sym typeface="Arial"/>
+              </a:rPr>
+              <a:t> por </a:t>
+            </a:r>
+            <a:r>
+              <a:rPr lang="en-US" sz="2400" dirty="0" err="1">
+                <a:solidFill>
+                  <a:srgbClr val="545454"/>
+                </a:solidFill>
+                <a:latin typeface="Arial"/>
+                <a:ea typeface="Arial"/>
+                <a:cs typeface="Arial"/>
+                <a:sym typeface="Arial"/>
+              </a:rPr>
+              <a:t>uma</a:t>
+            </a:r>
+            <a:r>
+              <a:rPr lang="en-US" sz="2400" dirty="0">
+                <a:solidFill>
+                  <a:srgbClr val="545454"/>
+                </a:solidFill>
+                <a:latin typeface="Arial"/>
+                <a:ea typeface="Arial"/>
+                <a:cs typeface="Arial"/>
+                <a:sym typeface="Arial"/>
+              </a:rPr>
+              <a:t> </a:t>
+            </a:r>
+            <a:r>
+              <a:rPr lang="en-US" sz="2400" dirty="0" err="1">
+                <a:solidFill>
+                  <a:srgbClr val="545454"/>
+                </a:solidFill>
+                <a:latin typeface="Arial"/>
+                <a:ea typeface="Arial"/>
+                <a:cs typeface="Arial"/>
+                <a:sym typeface="Arial"/>
+              </a:rPr>
+              <a:t>bolinha</a:t>
+            </a:r>
+            <a:r>
+              <a:rPr lang="en-US" sz="2400" dirty="0">
+                <a:solidFill>
+                  <a:srgbClr val="545454"/>
+                </a:solidFill>
+                <a:latin typeface="Arial"/>
+                <a:ea typeface="Arial"/>
+                <a:cs typeface="Arial"/>
+                <a:sym typeface="Arial"/>
+              </a:rPr>
+              <a:t>, </a:t>
+            </a:r>
+            <a:r>
+              <a:rPr lang="en-US" sz="2400" dirty="0" err="1">
+                <a:solidFill>
+                  <a:srgbClr val="545454"/>
+                </a:solidFill>
+                <a:latin typeface="Arial"/>
+                <a:ea typeface="Arial"/>
+                <a:cs typeface="Arial"/>
+                <a:sym typeface="Arial"/>
+              </a:rPr>
+              <a:t>vértices</a:t>
+            </a:r>
+            <a:r>
+              <a:rPr lang="en-US" sz="2400" dirty="0">
+                <a:solidFill>
+                  <a:srgbClr val="545454"/>
+                </a:solidFill>
+                <a:latin typeface="Arial"/>
+                <a:ea typeface="Arial"/>
+                <a:cs typeface="Arial"/>
+                <a:sym typeface="Arial"/>
+              </a:rPr>
+              <a:t>)</a:t>
+            </a:r>
+            <a:endParaRPr dirty="0"/>
           </a:p>
         </p:txBody>
       </p:sp>
@@ -24583,7 +25394,7 @@
               <a:buNone/>
             </a:pPr>
             <a:r>
-              <a:rPr lang="en-US" sz="2400">
+              <a:rPr lang="en-US" sz="2400" dirty="0">
                 <a:solidFill>
                   <a:srgbClr val="545454"/>
                 </a:solidFill>
@@ -24592,9 +25403,165 @@
                 <a:cs typeface="Arial"/>
                 <a:sym typeface="Arial"/>
               </a:rPr>
-              <a:t>O mesmo grafo pode ter representações completamente diferentes</a:t>
-            </a:r>
-            <a:endParaRPr sz="2400">
+              <a:t>O </a:t>
+            </a:r>
+            <a:r>
+              <a:rPr lang="en-US" sz="2400" dirty="0" err="1">
+                <a:solidFill>
+                  <a:srgbClr val="545454"/>
+                </a:solidFill>
+                <a:latin typeface="Arial"/>
+                <a:ea typeface="Arial"/>
+                <a:cs typeface="Arial"/>
+                <a:sym typeface="Arial"/>
+              </a:rPr>
+              <a:t>mesmo</a:t>
+            </a:r>
+            <a:r>
+              <a:rPr lang="en-US" sz="2400" dirty="0">
+                <a:solidFill>
+                  <a:srgbClr val="545454"/>
+                </a:solidFill>
+                <a:latin typeface="Arial"/>
+                <a:ea typeface="Arial"/>
+                <a:cs typeface="Arial"/>
+                <a:sym typeface="Arial"/>
+              </a:rPr>
+              <a:t> </a:t>
+            </a:r>
+            <a:r>
+              <a:rPr lang="en-US" sz="2400" dirty="0" err="1">
+                <a:solidFill>
+                  <a:srgbClr val="545454"/>
+                </a:solidFill>
+                <a:latin typeface="Arial"/>
+                <a:ea typeface="Arial"/>
+                <a:cs typeface="Arial"/>
+                <a:sym typeface="Arial"/>
+              </a:rPr>
+              <a:t>grafo</a:t>
+            </a:r>
+            <a:r>
+              <a:rPr lang="en-US" sz="2400" dirty="0">
+                <a:solidFill>
+                  <a:srgbClr val="545454"/>
+                </a:solidFill>
+                <a:latin typeface="Arial"/>
+                <a:ea typeface="Arial"/>
+                <a:cs typeface="Arial"/>
+                <a:sym typeface="Arial"/>
+              </a:rPr>
+              <a:t> </a:t>
+            </a:r>
+            <a:r>
+              <a:rPr lang="en-US" sz="2400" dirty="0" err="1">
+                <a:solidFill>
+                  <a:srgbClr val="545454"/>
+                </a:solidFill>
+                <a:latin typeface="Arial"/>
+                <a:ea typeface="Arial"/>
+                <a:cs typeface="Arial"/>
+                <a:sym typeface="Arial"/>
+              </a:rPr>
+              <a:t>pode</a:t>
+            </a:r>
+            <a:r>
+              <a:rPr lang="en-US" sz="2400" dirty="0">
+                <a:solidFill>
+                  <a:srgbClr val="545454"/>
+                </a:solidFill>
+                <a:latin typeface="Arial"/>
+                <a:ea typeface="Arial"/>
+                <a:cs typeface="Arial"/>
+                <a:sym typeface="Arial"/>
+              </a:rPr>
+              <a:t> </a:t>
+            </a:r>
+            <a:r>
+              <a:rPr lang="en-US" sz="2400" dirty="0" err="1">
+                <a:solidFill>
+                  <a:srgbClr val="545454"/>
+                </a:solidFill>
+                <a:latin typeface="Arial"/>
+                <a:ea typeface="Arial"/>
+                <a:cs typeface="Arial"/>
+                <a:sym typeface="Arial"/>
+              </a:rPr>
+              <a:t>ter</a:t>
+            </a:r>
+            <a:r>
+              <a:rPr lang="en-US" sz="2400" dirty="0">
+                <a:solidFill>
+                  <a:srgbClr val="545454"/>
+                </a:solidFill>
+                <a:latin typeface="Arial"/>
+                <a:ea typeface="Arial"/>
+                <a:cs typeface="Arial"/>
+                <a:sym typeface="Arial"/>
+              </a:rPr>
+              <a:t> </a:t>
+            </a:r>
+            <a:r>
+              <a:rPr lang="en-US" sz="2400" dirty="0" err="1">
+                <a:solidFill>
+                  <a:srgbClr val="545454"/>
+                </a:solidFill>
+                <a:latin typeface="Arial"/>
+                <a:ea typeface="Arial"/>
+                <a:cs typeface="Arial"/>
+                <a:sym typeface="Arial"/>
+              </a:rPr>
+              <a:t>representações</a:t>
+            </a:r>
+            <a:r>
+              <a:rPr lang="en-US" sz="2400" dirty="0">
+                <a:solidFill>
+                  <a:srgbClr val="545454"/>
+                </a:solidFill>
+                <a:latin typeface="Arial"/>
+                <a:ea typeface="Arial"/>
+                <a:cs typeface="Arial"/>
+                <a:sym typeface="Arial"/>
+              </a:rPr>
+              <a:t> </a:t>
+            </a:r>
+            <a:r>
+              <a:rPr lang="en-US" sz="2400" dirty="0" err="1">
+                <a:solidFill>
+                  <a:srgbClr val="545454"/>
+                </a:solidFill>
+                <a:latin typeface="Arial"/>
+                <a:ea typeface="Arial"/>
+                <a:cs typeface="Arial"/>
+                <a:sym typeface="Arial"/>
+              </a:rPr>
+              <a:t>completamente</a:t>
+            </a:r>
+            <a:r>
+              <a:rPr lang="en-US" sz="2400" dirty="0">
+                <a:solidFill>
+                  <a:srgbClr val="545454"/>
+                </a:solidFill>
+                <a:latin typeface="Arial"/>
+                <a:ea typeface="Arial"/>
+                <a:cs typeface="Arial"/>
+                <a:sym typeface="Arial"/>
+              </a:rPr>
+              <a:t> </a:t>
+            </a:r>
+            <a:r>
+              <a:rPr lang="en-US" sz="2400" dirty="0" err="1">
+                <a:solidFill>
+                  <a:srgbClr val="545454"/>
+                </a:solidFill>
+                <a:latin typeface="Arial"/>
+                <a:ea typeface="Arial"/>
+                <a:cs typeface="Arial"/>
+                <a:sym typeface="Arial"/>
+              </a:rPr>
+              <a:t>diferentes</a:t>
+            </a:r>
+            <a:endParaRPr sz="2400" dirty="0">
               <a:solidFill>
                 <a:srgbClr val="545454"/>
               </a:solidFill>
@@ -24618,7 +25585,7 @@
               <a:buNone/>
             </a:pPr>
             <a:r>
-              <a:rPr lang="en-US" sz="2400">
+              <a:rPr lang="en-US" sz="2400" dirty="0" err="1">
                 <a:solidFill>
                   <a:srgbClr val="545454"/>
                 </a:solidFill>
@@ -24627,9 +25594,285 @@
                 <a:cs typeface="Arial"/>
                 <a:sym typeface="Arial"/>
               </a:rPr>
-              <a:t>também é possível que as arestas se cruzem, considere-as em planos diferentes pois não estão diretamente relacionadas.</a:t>
-            </a:r>
-            <a:endParaRPr/>
+              <a:t>também</a:t>
+            </a:r>
+            <a:r>
+              <a:rPr lang="en-US" sz="2400" dirty="0">
+                <a:solidFill>
+                  <a:srgbClr val="545454"/>
+                </a:solidFill>
+                <a:latin typeface="Arial"/>
+                <a:ea typeface="Arial"/>
+                <a:cs typeface="Arial"/>
+                <a:sym typeface="Arial"/>
+              </a:rPr>
+              <a:t> é </a:t>
+            </a:r>
+            <a:r>
+              <a:rPr lang="en-US" sz="2400" dirty="0" err="1">
+                <a:solidFill>
+                  <a:srgbClr val="545454"/>
+                </a:solidFill>
+                <a:latin typeface="Arial"/>
+                <a:ea typeface="Arial"/>
+                <a:cs typeface="Arial"/>
+                <a:sym typeface="Arial"/>
+              </a:rPr>
+              <a:t>possível</a:t>
+            </a:r>
+            <a:r>
+              <a:rPr lang="en-US" sz="2400" dirty="0">
+                <a:solidFill>
+                  <a:srgbClr val="545454"/>
+                </a:solidFill>
+                <a:latin typeface="Arial"/>
+                <a:ea typeface="Arial"/>
+                <a:cs typeface="Arial"/>
+                <a:sym typeface="Arial"/>
+              </a:rPr>
+              <a:t> que as </a:t>
+            </a:r>
+            <a:r>
+              <a:rPr lang="en-US" sz="2400" dirty="0" err="1">
+                <a:solidFill>
+                  <a:srgbClr val="545454"/>
+                </a:solidFill>
+                <a:latin typeface="Arial"/>
+                <a:ea typeface="Arial"/>
+                <a:cs typeface="Arial"/>
+                <a:sym typeface="Arial"/>
+              </a:rPr>
+              <a:t>arestas</a:t>
+            </a:r>
+            <a:r>
+              <a:rPr lang="en-US" sz="2400" dirty="0">
+                <a:solidFill>
+                  <a:srgbClr val="545454"/>
+                </a:solidFill>
+                <a:latin typeface="Arial"/>
+                <a:ea typeface="Arial"/>
+                <a:cs typeface="Arial"/>
+                <a:sym typeface="Arial"/>
+              </a:rPr>
+              <a:t> se </a:t>
+            </a:r>
+            <a:r>
+              <a:rPr lang="en-US" sz="2400" dirty="0" err="1">
+                <a:solidFill>
+                  <a:srgbClr val="545454"/>
+                </a:solidFill>
+                <a:latin typeface="Arial"/>
+                <a:ea typeface="Arial"/>
+                <a:cs typeface="Arial"/>
+                <a:sym typeface="Arial"/>
+              </a:rPr>
+              <a:t>cruzem</a:t>
+            </a:r>
+            <a:r>
+              <a:rPr lang="en-US" sz="2400" dirty="0">
+                <a:solidFill>
+                  <a:srgbClr val="545454"/>
+                </a:solidFill>
+                <a:latin typeface="Arial"/>
+                <a:ea typeface="Arial"/>
+                <a:cs typeface="Arial"/>
+                <a:sym typeface="Arial"/>
+              </a:rPr>
+              <a:t>, </a:t>
+            </a:r>
+            <a:r>
+              <a:rPr lang="en-US" sz="2400" dirty="0" err="1">
+                <a:solidFill>
+                  <a:srgbClr val="545454"/>
+                </a:solidFill>
+                <a:latin typeface="Arial"/>
+                <a:ea typeface="Arial"/>
+                <a:cs typeface="Arial"/>
+                <a:sym typeface="Arial"/>
+              </a:rPr>
+              <a:t>considere</a:t>
+            </a:r>
+            <a:r>
+              <a:rPr lang="en-US" sz="2400" dirty="0">
+                <a:solidFill>
+                  <a:srgbClr val="545454"/>
+                </a:solidFill>
+                <a:latin typeface="Arial"/>
+                <a:ea typeface="Arial"/>
+                <a:cs typeface="Arial"/>
+                <a:sym typeface="Arial"/>
+              </a:rPr>
+              <a:t>-as </a:t>
+            </a:r>
+            <a:r>
+              <a:rPr lang="en-US" sz="2400" dirty="0" err="1">
+                <a:solidFill>
+                  <a:srgbClr val="545454"/>
+                </a:solidFill>
+                <a:latin typeface="Arial"/>
+                <a:ea typeface="Arial"/>
+                <a:cs typeface="Arial"/>
+                <a:sym typeface="Arial"/>
+              </a:rPr>
+              <a:t>em</a:t>
+            </a:r>
+            <a:r>
+              <a:rPr lang="en-US" sz="2400" dirty="0">
+                <a:solidFill>
+                  <a:srgbClr val="545454"/>
+                </a:solidFill>
+                <a:latin typeface="Arial"/>
+                <a:ea typeface="Arial"/>
+                <a:cs typeface="Arial"/>
+                <a:sym typeface="Arial"/>
+              </a:rPr>
+              <a:t> </a:t>
+            </a:r>
+            <a:r>
+              <a:rPr lang="en-US" sz="2400" dirty="0" err="1">
+                <a:solidFill>
+                  <a:srgbClr val="545454"/>
+                </a:solidFill>
+                <a:latin typeface="Arial"/>
+                <a:ea typeface="Arial"/>
+                <a:cs typeface="Arial"/>
+                <a:sym typeface="Arial"/>
+              </a:rPr>
+              <a:t>planos</a:t>
+            </a:r>
+            <a:r>
+              <a:rPr lang="en-US" sz="2400" dirty="0">
+                <a:solidFill>
+                  <a:srgbClr val="545454"/>
+                </a:solidFill>
+                <a:latin typeface="Arial"/>
+                <a:ea typeface="Arial"/>
+                <a:cs typeface="Arial"/>
+                <a:sym typeface="Arial"/>
+              </a:rPr>
+              <a:t> </a:t>
+            </a:r>
+            <a:r>
+              <a:rPr lang="en-US" sz="2400" dirty="0" err="1">
+                <a:solidFill>
+                  <a:srgbClr val="545454"/>
+                </a:solidFill>
+                <a:latin typeface="Arial"/>
+                <a:ea typeface="Arial"/>
+                <a:cs typeface="Arial"/>
+                <a:sym typeface="Arial"/>
+              </a:rPr>
+              <a:t>diferentes</a:t>
+            </a:r>
+            <a:r>
+              <a:rPr lang="en-US" sz="2400" dirty="0">
+                <a:solidFill>
+                  <a:srgbClr val="545454"/>
+                </a:solidFill>
+                <a:latin typeface="Arial"/>
+                <a:ea typeface="Arial"/>
+                <a:cs typeface="Arial"/>
+                <a:sym typeface="Arial"/>
+              </a:rPr>
+              <a:t> pois </a:t>
+            </a:r>
+            <a:r>
+              <a:rPr lang="en-US" sz="2400" dirty="0" err="1">
+                <a:solidFill>
+                  <a:srgbClr val="545454"/>
+                </a:solidFill>
+                <a:latin typeface="Arial"/>
+                <a:ea typeface="Arial"/>
+                <a:cs typeface="Arial"/>
+                <a:sym typeface="Arial"/>
+              </a:rPr>
+              <a:t>não</a:t>
+            </a:r>
+            <a:r>
+              <a:rPr lang="en-US" sz="2400" dirty="0">
+                <a:solidFill>
+                  <a:srgbClr val="545454"/>
+                </a:solidFill>
+                <a:latin typeface="Arial"/>
+                <a:ea typeface="Arial"/>
+                <a:cs typeface="Arial"/>
+                <a:sym typeface="Arial"/>
+              </a:rPr>
+              <a:t> </a:t>
+            </a:r>
+            <a:r>
+              <a:rPr lang="en-US" sz="2400" dirty="0" err="1">
+                <a:solidFill>
+                  <a:srgbClr val="545454"/>
+                </a:solidFill>
+                <a:latin typeface="Arial"/>
+                <a:ea typeface="Arial"/>
+                <a:cs typeface="Arial"/>
+                <a:sym typeface="Arial"/>
+              </a:rPr>
+              <a:t>estão</a:t>
+            </a:r>
+            <a:r>
+              <a:rPr lang="en-US" sz="2400" dirty="0">
+                <a:solidFill>
+                  <a:srgbClr val="545454"/>
+                </a:solidFill>
+                <a:latin typeface="Arial"/>
+                <a:ea typeface="Arial"/>
+                <a:cs typeface="Arial"/>
+                <a:sym typeface="Arial"/>
+              </a:rPr>
+              <a:t> </a:t>
+            </a:r>
+            <a:r>
+              <a:rPr lang="en-US" sz="2400" dirty="0" err="1">
+                <a:solidFill>
+                  <a:srgbClr val="545454"/>
+                </a:solidFill>
+                <a:latin typeface="Arial"/>
+                <a:ea typeface="Arial"/>
+                <a:cs typeface="Arial"/>
+                <a:sym typeface="Arial"/>
+              </a:rPr>
+              <a:t>diretamente</a:t>
+            </a:r>
+            <a:r>
+              <a:rPr lang="en-US" sz="2400" dirty="0">
+                <a:solidFill>
+                  <a:srgbClr val="545454"/>
+                </a:solidFill>
+                <a:latin typeface="Arial"/>
+                <a:ea typeface="Arial"/>
+                <a:cs typeface="Arial"/>
+                <a:sym typeface="Arial"/>
+              </a:rPr>
+              <a:t> </a:t>
+            </a:r>
+            <a:r>
+              <a:rPr lang="en-US" sz="2400" dirty="0" err="1">
+                <a:solidFill>
+                  <a:srgbClr val="545454"/>
+                </a:solidFill>
+                <a:latin typeface="Arial"/>
+                <a:ea typeface="Arial"/>
+                <a:cs typeface="Arial"/>
+                <a:sym typeface="Arial"/>
+              </a:rPr>
+              <a:t>relacionadas</a:t>
+            </a:r>
+            <a:r>
+              <a:rPr lang="en-US" sz="2400" dirty="0">
+                <a:solidFill>
+                  <a:srgbClr val="545454"/>
+                </a:solidFill>
+                <a:latin typeface="Arial"/>
+                <a:ea typeface="Arial"/>
+                <a:cs typeface="Arial"/>
+                <a:sym typeface="Arial"/>
+              </a:rPr>
+              <a:t>.</a:t>
+            </a:r>
+            <a:endParaRPr dirty="0"/>
           </a:p>
           <a:p>
             <a:pPr marL="0" marR="0" lvl="0" indent="0" algn="l" rtl="0">
@@ -24644,7 +25887,7 @@
               </a:spcAft>
               <a:buNone/>
             </a:pPr>
-            <a:endParaRPr sz="2400">
+            <a:endParaRPr sz="2400" dirty="0">
               <a:solidFill>
                 <a:srgbClr val="545454"/>
               </a:solidFill>
@@ -27560,7 +28803,7 @@
         <p:spPr>
           <a:xfrm>
             <a:off x="1028700" y="1466148"/>
-            <a:ext cx="8663523" cy="920316"/>
+            <a:ext cx="8663523" cy="1161665"/>
           </a:xfrm>
           <a:prstGeom prst="rect">
             <a:avLst/>
@@ -27589,7 +28832,7 @@
               <a:buNone/>
             </a:pPr>
             <a:r>
-              <a:rPr lang="en-US" sz="5392">
+              <a:rPr lang="en-US" sz="5392" dirty="0" err="1">
                 <a:solidFill>
                   <a:srgbClr val="023D54"/>
                 </a:solidFill>
@@ -27598,9 +28841,33 @@
                 <a:cs typeface="Arial"/>
                 <a:sym typeface="Arial"/>
               </a:rPr>
-              <a:t>Vertices e Graus</a:t>
-            </a:r>
-            <a:endParaRPr sz="5392">
+              <a:t>Vértices</a:t>
+            </a:r>
+            <a:r>
+              <a:rPr lang="en-US" sz="5392" dirty="0">
+                <a:solidFill>
+                  <a:srgbClr val="023D54"/>
+                </a:solidFill>
+                <a:latin typeface="Arial"/>
+                <a:ea typeface="Arial"/>
+                <a:cs typeface="Arial"/>
+                <a:sym typeface="Arial"/>
+              </a:rPr>
+              <a:t> e </a:t>
+            </a:r>
+            <a:r>
+              <a:rPr lang="en-US" sz="5392" dirty="0" err="1">
+                <a:solidFill>
+                  <a:srgbClr val="023D54"/>
+                </a:solidFill>
+                <a:latin typeface="Arial"/>
+                <a:ea typeface="Arial"/>
+                <a:cs typeface="Arial"/>
+                <a:sym typeface="Arial"/>
+              </a:rPr>
+              <a:t>Graus</a:t>
+            </a:r>
+            <a:endParaRPr sz="5392" dirty="0">
               <a:solidFill>
                 <a:srgbClr val="023D54"/>
               </a:solidFill>
@@ -27727,7 +28994,7 @@
         <p:spPr>
           <a:xfrm>
             <a:off x="1403080" y="3485794"/>
-            <a:ext cx="7367173" cy="1234568"/>
+            <a:ext cx="7367173" cy="1535805"/>
           </a:xfrm>
           <a:prstGeom prst="rect">
             <a:avLst/>
@@ -27756,7 +29023,7 @@
               <a:buNone/>
             </a:pPr>
             <a:r>
-              <a:rPr lang="en-US" sz="1919">
+              <a:rPr lang="en-US" sz="1919" dirty="0">
                 <a:solidFill>
                   <a:srgbClr val="545454"/>
                 </a:solidFill>
@@ -27765,9 +29032,417 @@
                 <a:cs typeface="Arial"/>
                 <a:sym typeface="Arial"/>
               </a:rPr>
-              <a:t>o numero de incidencia numa Vertice (v¹) é chamada de grau, com self loops sendo contados duas vezes, o grau d(v¹) é definido pela quantidade de Arestas relacionadas ao Vertice(v¹)</a:t>
-            </a:r>
-            <a:endParaRPr/>
+              <a:t>o </a:t>
+            </a:r>
+            <a:r>
+              <a:rPr lang="en-US" sz="1919" dirty="0" err="1">
+                <a:solidFill>
+                  <a:srgbClr val="545454"/>
+                </a:solidFill>
+                <a:latin typeface="Arial"/>
+                <a:ea typeface="Arial"/>
+                <a:cs typeface="Arial"/>
+                <a:sym typeface="Arial"/>
+              </a:rPr>
+              <a:t>número</a:t>
+            </a:r>
+            <a:r>
+              <a:rPr lang="en-US" sz="1919" dirty="0">
+                <a:solidFill>
+                  <a:srgbClr val="545454"/>
+                </a:solidFill>
+                <a:latin typeface="Arial"/>
+                <a:ea typeface="Arial"/>
+                <a:cs typeface="Arial"/>
+                <a:sym typeface="Arial"/>
+              </a:rPr>
+              <a:t> de </a:t>
+            </a:r>
+            <a:r>
+              <a:rPr lang="en-US" sz="1919" dirty="0" err="1">
+                <a:solidFill>
+                  <a:srgbClr val="545454"/>
+                </a:solidFill>
+                <a:latin typeface="Arial"/>
+                <a:ea typeface="Arial"/>
+                <a:cs typeface="Arial"/>
+                <a:sym typeface="Arial"/>
+              </a:rPr>
+              <a:t>incidência</a:t>
+            </a:r>
+            <a:r>
+              <a:rPr lang="en-US" sz="1919" dirty="0">
+                <a:solidFill>
+                  <a:srgbClr val="545454"/>
+                </a:solidFill>
+                <a:latin typeface="Arial"/>
+                <a:ea typeface="Arial"/>
+                <a:cs typeface="Arial"/>
+                <a:sym typeface="Arial"/>
+              </a:rPr>
+              <a:t> </a:t>
+            </a:r>
+            <a:r>
+              <a:rPr lang="en-US" sz="1919" dirty="0" err="1">
+                <a:solidFill>
+                  <a:srgbClr val="545454"/>
+                </a:solidFill>
+                <a:latin typeface="Arial"/>
+                <a:ea typeface="Arial"/>
+                <a:cs typeface="Arial"/>
+                <a:sym typeface="Arial"/>
+              </a:rPr>
+              <a:t>numa</a:t>
+            </a:r>
+            <a:r>
+              <a:rPr lang="en-US" sz="1919" dirty="0">
+                <a:solidFill>
+                  <a:srgbClr val="545454"/>
+                </a:solidFill>
+                <a:latin typeface="Arial"/>
+                <a:ea typeface="Arial"/>
+                <a:cs typeface="Arial"/>
+                <a:sym typeface="Arial"/>
+              </a:rPr>
+              <a:t> </a:t>
+            </a:r>
+            <a:r>
+              <a:rPr lang="en-US" sz="1919" dirty="0" err="1">
+                <a:solidFill>
+                  <a:srgbClr val="545454"/>
+                </a:solidFill>
+                <a:latin typeface="Arial"/>
+                <a:ea typeface="Arial"/>
+                <a:cs typeface="Arial"/>
+                <a:sym typeface="Arial"/>
+              </a:rPr>
+              <a:t>Vértice</a:t>
+            </a:r>
+            <a:r>
+              <a:rPr lang="en-US" sz="1919" dirty="0">
+                <a:solidFill>
+                  <a:srgbClr val="545454"/>
+                </a:solidFill>
+                <a:latin typeface="Arial"/>
+                <a:ea typeface="Arial"/>
+                <a:cs typeface="Arial"/>
+                <a:sym typeface="Arial"/>
+              </a:rPr>
+              <a:t> (v¹) é </a:t>
+            </a:r>
+            <a:r>
+              <a:rPr lang="en-US" sz="1919" dirty="0" err="1">
+                <a:solidFill>
+                  <a:srgbClr val="545454"/>
+                </a:solidFill>
+                <a:latin typeface="Arial"/>
+                <a:ea typeface="Arial"/>
+                <a:cs typeface="Arial"/>
+                <a:sym typeface="Arial"/>
+              </a:rPr>
+              <a:t>chamada</a:t>
+            </a:r>
+            <a:r>
+              <a:rPr lang="en-US" sz="1919" dirty="0">
+                <a:solidFill>
+                  <a:srgbClr val="545454"/>
+                </a:solidFill>
+                <a:latin typeface="Arial"/>
+                <a:ea typeface="Arial"/>
+                <a:cs typeface="Arial"/>
+                <a:sym typeface="Arial"/>
+              </a:rPr>
+              <a:t> de </a:t>
+            </a:r>
+            <a:r>
+              <a:rPr lang="en-US" sz="1919" dirty="0" err="1">
+                <a:solidFill>
+                  <a:srgbClr val="545454"/>
+                </a:solidFill>
+                <a:latin typeface="Arial"/>
+                <a:ea typeface="Arial"/>
+                <a:cs typeface="Arial"/>
+                <a:sym typeface="Arial"/>
+              </a:rPr>
+              <a:t>grau</a:t>
+            </a:r>
+            <a:r>
+              <a:rPr lang="en-US" sz="1919" dirty="0">
+                <a:solidFill>
+                  <a:srgbClr val="545454"/>
+                </a:solidFill>
+                <a:latin typeface="Arial"/>
+                <a:ea typeface="Arial"/>
+                <a:cs typeface="Arial"/>
+                <a:sym typeface="Arial"/>
+              </a:rPr>
+              <a:t>, com self loops </a:t>
+            </a:r>
+            <a:r>
+              <a:rPr lang="en-US" sz="1919" dirty="0" err="1">
+                <a:solidFill>
+                  <a:srgbClr val="545454"/>
+                </a:solidFill>
+                <a:latin typeface="Arial"/>
+                <a:ea typeface="Arial"/>
+                <a:cs typeface="Arial"/>
+                <a:sym typeface="Arial"/>
+              </a:rPr>
+              <a:t>sendo</a:t>
+            </a:r>
+            <a:r>
+              <a:rPr lang="en-US" sz="1919" dirty="0">
+                <a:solidFill>
+                  <a:srgbClr val="545454"/>
+                </a:solidFill>
+                <a:latin typeface="Arial"/>
+                <a:ea typeface="Arial"/>
+                <a:cs typeface="Arial"/>
+                <a:sym typeface="Arial"/>
+              </a:rPr>
+              <a:t> </a:t>
+            </a:r>
+            <a:r>
+              <a:rPr lang="en-US" sz="1919" dirty="0" err="1">
+                <a:solidFill>
+                  <a:srgbClr val="545454"/>
+                </a:solidFill>
+                <a:latin typeface="Arial"/>
+                <a:ea typeface="Arial"/>
+                <a:cs typeface="Arial"/>
+                <a:sym typeface="Arial"/>
+              </a:rPr>
+              <a:t>contados</a:t>
+            </a:r>
+            <a:r>
+              <a:rPr lang="en-US" sz="1919" dirty="0">
+                <a:solidFill>
+                  <a:srgbClr val="545454"/>
+                </a:solidFill>
+                <a:latin typeface="Arial"/>
+                <a:ea typeface="Arial"/>
+                <a:cs typeface="Arial"/>
+                <a:sym typeface="Arial"/>
+              </a:rPr>
+              <a:t> </a:t>
+            </a:r>
+            <a:r>
+              <a:rPr lang="en-US" sz="1919" dirty="0" err="1">
+                <a:solidFill>
+                  <a:srgbClr val="545454"/>
+                </a:solidFill>
+                <a:latin typeface="Arial"/>
+                <a:ea typeface="Arial"/>
+                <a:cs typeface="Arial"/>
+                <a:sym typeface="Arial"/>
+              </a:rPr>
+              <a:t>duas</a:t>
+            </a:r>
+            <a:r>
+              <a:rPr lang="en-US" sz="1919" dirty="0">
+                <a:solidFill>
+                  <a:srgbClr val="545454"/>
+                </a:solidFill>
+                <a:latin typeface="Arial"/>
+                <a:ea typeface="Arial"/>
+                <a:cs typeface="Arial"/>
+                <a:sym typeface="Arial"/>
+              </a:rPr>
+              <a:t> </a:t>
+            </a:r>
+            <a:r>
+              <a:rPr lang="en-US" sz="1919" dirty="0" err="1">
+                <a:solidFill>
+                  <a:srgbClr val="545454"/>
+                </a:solidFill>
+                <a:latin typeface="Arial"/>
+                <a:ea typeface="Arial"/>
+                <a:cs typeface="Arial"/>
+                <a:sym typeface="Arial"/>
+              </a:rPr>
+              <a:t>vezes</a:t>
+            </a:r>
+            <a:r>
+              <a:rPr lang="en-US" sz="1919" dirty="0">
+                <a:solidFill>
+                  <a:srgbClr val="545454"/>
+                </a:solidFill>
+                <a:latin typeface="Arial"/>
+                <a:ea typeface="Arial"/>
+                <a:cs typeface="Arial"/>
+                <a:sym typeface="Arial"/>
+              </a:rPr>
+              <a:t>, o </a:t>
+            </a:r>
+            <a:r>
+              <a:rPr lang="en-US" sz="1919" dirty="0" err="1">
+                <a:solidFill>
+                  <a:srgbClr val="545454"/>
+                </a:solidFill>
+                <a:latin typeface="Arial"/>
+                <a:ea typeface="Arial"/>
+                <a:cs typeface="Arial"/>
+                <a:sym typeface="Arial"/>
+              </a:rPr>
+              <a:t>grau</a:t>
+            </a:r>
+            <a:r>
+              <a:rPr lang="en-US" sz="1919" dirty="0">
+                <a:solidFill>
+                  <a:srgbClr val="545454"/>
+                </a:solidFill>
+                <a:latin typeface="Arial"/>
+                <a:ea typeface="Arial"/>
+                <a:cs typeface="Arial"/>
+                <a:sym typeface="Arial"/>
+              </a:rPr>
+              <a:t> d(v¹) é </a:t>
+            </a:r>
+            <a:r>
+              <a:rPr lang="en-US" sz="1919" dirty="0" err="1">
+                <a:solidFill>
+                  <a:srgbClr val="545454"/>
+                </a:solidFill>
+                <a:latin typeface="Arial"/>
+                <a:ea typeface="Arial"/>
+                <a:cs typeface="Arial"/>
+                <a:sym typeface="Arial"/>
+              </a:rPr>
+              <a:t>definido</a:t>
+            </a:r>
+            <a:r>
+              <a:rPr lang="en-US" sz="1919" dirty="0">
+                <a:solidFill>
+                  <a:srgbClr val="545454"/>
+                </a:solidFill>
+                <a:latin typeface="Arial"/>
+                <a:ea typeface="Arial"/>
+                <a:cs typeface="Arial"/>
+                <a:sym typeface="Arial"/>
+              </a:rPr>
+              <a:t> pela </a:t>
+            </a:r>
+            <a:r>
+              <a:rPr lang="en-US" sz="1919" dirty="0" err="1">
+                <a:solidFill>
+                  <a:srgbClr val="545454"/>
+                </a:solidFill>
+                <a:latin typeface="Arial"/>
+                <a:ea typeface="Arial"/>
+                <a:cs typeface="Arial"/>
+                <a:sym typeface="Arial"/>
+              </a:rPr>
+              <a:t>quantidade</a:t>
+            </a:r>
+            <a:r>
+              <a:rPr lang="en-US" sz="1919" dirty="0">
+                <a:solidFill>
+                  <a:srgbClr val="545454"/>
+                </a:solidFill>
+                <a:latin typeface="Arial"/>
+                <a:ea typeface="Arial"/>
+                <a:cs typeface="Arial"/>
+                <a:sym typeface="Arial"/>
+              </a:rPr>
+              <a:t> de </a:t>
+            </a:r>
+            <a:r>
+              <a:rPr lang="en-US" sz="1919" dirty="0" err="1">
+                <a:solidFill>
+                  <a:srgbClr val="545454"/>
+                </a:solidFill>
+                <a:latin typeface="Arial"/>
+                <a:ea typeface="Arial"/>
+                <a:cs typeface="Arial"/>
+                <a:sym typeface="Arial"/>
+              </a:rPr>
+              <a:t>Arestas</a:t>
+            </a:r>
+            <a:r>
+              <a:rPr lang="en-US" sz="1919" dirty="0">
+                <a:solidFill>
+                  <a:srgbClr val="545454"/>
+                </a:solidFill>
+                <a:latin typeface="Arial"/>
+                <a:ea typeface="Arial"/>
+                <a:cs typeface="Arial"/>
+                <a:sym typeface="Arial"/>
+              </a:rPr>
+              <a:t> </a:t>
+            </a:r>
+            <a:r>
+              <a:rPr lang="en-US" sz="1919" dirty="0" err="1">
+                <a:solidFill>
+                  <a:srgbClr val="545454"/>
+                </a:solidFill>
+                <a:latin typeface="Arial"/>
+                <a:ea typeface="Arial"/>
+                <a:cs typeface="Arial"/>
+                <a:sym typeface="Arial"/>
+              </a:rPr>
+              <a:t>relacionadas</a:t>
+            </a:r>
+            <a:r>
+              <a:rPr lang="en-US" sz="1919" dirty="0">
+                <a:solidFill>
+                  <a:srgbClr val="545454"/>
+                </a:solidFill>
+                <a:latin typeface="Arial"/>
+                <a:ea typeface="Arial"/>
+                <a:cs typeface="Arial"/>
+                <a:sym typeface="Arial"/>
+              </a:rPr>
+              <a:t> </a:t>
+            </a:r>
+            <a:r>
+              <a:rPr lang="en-US" sz="1919" dirty="0" err="1">
+                <a:solidFill>
+                  <a:srgbClr val="545454"/>
+                </a:solidFill>
+                <a:latin typeface="Arial"/>
+                <a:ea typeface="Arial"/>
+                <a:cs typeface="Arial"/>
+                <a:sym typeface="Arial"/>
+              </a:rPr>
+              <a:t>ao</a:t>
+            </a:r>
+            <a:r>
+              <a:rPr lang="en-US" sz="1919" dirty="0">
+                <a:solidFill>
+                  <a:srgbClr val="545454"/>
+                </a:solidFill>
+                <a:latin typeface="Arial"/>
+                <a:ea typeface="Arial"/>
+                <a:cs typeface="Arial"/>
+                <a:sym typeface="Arial"/>
+              </a:rPr>
+              <a:t> </a:t>
+            </a:r>
+            <a:r>
+              <a:rPr lang="en-US" sz="1919" dirty="0" err="1">
+                <a:solidFill>
+                  <a:srgbClr val="545454"/>
+                </a:solidFill>
+                <a:latin typeface="Arial"/>
+                <a:ea typeface="Arial"/>
+                <a:cs typeface="Arial"/>
+                <a:sym typeface="Arial"/>
+              </a:rPr>
+              <a:t>Vertice</a:t>
+            </a:r>
+            <a:r>
+              <a:rPr lang="en-US" sz="1919" dirty="0">
+                <a:solidFill>
+                  <a:srgbClr val="545454"/>
+                </a:solidFill>
+                <a:latin typeface="Arial"/>
+                <a:ea typeface="Arial"/>
+                <a:cs typeface="Arial"/>
+                <a:sym typeface="Arial"/>
+              </a:rPr>
+              <a:t>(v¹)</a:t>
+            </a:r>
+            <a:endParaRPr dirty="0"/>
           </a:p>
           <a:p>
             <a:pPr marL="0" marR="0" lvl="0" indent="0" algn="l" rtl="0">
@@ -27782,7 +29457,7 @@
               </a:spcAft>
               <a:buNone/>
             </a:pPr>
-            <a:endParaRPr sz="1919">
+            <a:endParaRPr sz="1919" dirty="0">
               <a:solidFill>
                 <a:srgbClr val="545454"/>
               </a:solidFill>
@@ -27803,7 +29478,7 @@
         <p:spPr>
           <a:xfrm>
             <a:off x="1403080" y="5888041"/>
-            <a:ext cx="7367173" cy="1234568"/>
+            <a:ext cx="7367173" cy="1535805"/>
           </a:xfrm>
           <a:prstGeom prst="rect">
             <a:avLst/>
@@ -27832,7 +29507,7 @@
               <a:buNone/>
             </a:pPr>
             <a:r>
-              <a:rPr lang="en-US" sz="1919">
+              <a:rPr lang="en-US" sz="1919" dirty="0" err="1">
                 <a:solidFill>
                   <a:srgbClr val="545454"/>
                 </a:solidFill>
@@ -27841,9 +29516,381 @@
                 <a:cs typeface="Arial"/>
                 <a:sym typeface="Arial"/>
               </a:rPr>
-              <a:t>Vertice isolada é uma vertice sem grau d(v¹)=0, vertice final é uma vertice com grau d(v¹)= 1, grafo nulo é um grafo onde o total de grau do grafo é 0</a:t>
-            </a:r>
-            <a:endParaRPr/>
+              <a:t>Vértice</a:t>
+            </a:r>
+            <a:r>
+              <a:rPr lang="en-US" sz="1919" dirty="0">
+                <a:solidFill>
+                  <a:srgbClr val="545454"/>
+                </a:solidFill>
+                <a:latin typeface="Arial"/>
+                <a:ea typeface="Arial"/>
+                <a:cs typeface="Arial"/>
+                <a:sym typeface="Arial"/>
+              </a:rPr>
+              <a:t> </a:t>
+            </a:r>
+            <a:r>
+              <a:rPr lang="en-US" sz="1919" dirty="0" err="1">
+                <a:solidFill>
+                  <a:srgbClr val="545454"/>
+                </a:solidFill>
+                <a:latin typeface="Arial"/>
+                <a:ea typeface="Arial"/>
+                <a:cs typeface="Arial"/>
+                <a:sym typeface="Arial"/>
+              </a:rPr>
+              <a:t>isolada</a:t>
+            </a:r>
+            <a:r>
+              <a:rPr lang="en-US" sz="1919" dirty="0">
+                <a:solidFill>
+                  <a:srgbClr val="545454"/>
+                </a:solidFill>
+                <a:latin typeface="Arial"/>
+                <a:ea typeface="Arial"/>
+                <a:cs typeface="Arial"/>
+                <a:sym typeface="Arial"/>
+              </a:rPr>
+              <a:t> é </a:t>
+            </a:r>
+            <a:r>
+              <a:rPr lang="en-US" sz="1919" dirty="0" err="1">
+                <a:solidFill>
+                  <a:srgbClr val="545454"/>
+                </a:solidFill>
+                <a:latin typeface="Arial"/>
+                <a:ea typeface="Arial"/>
+                <a:cs typeface="Arial"/>
+                <a:sym typeface="Arial"/>
+              </a:rPr>
+              <a:t>uma</a:t>
+            </a:r>
+            <a:r>
+              <a:rPr lang="en-US" sz="1919" dirty="0">
+                <a:solidFill>
+                  <a:srgbClr val="545454"/>
+                </a:solidFill>
+                <a:latin typeface="Arial"/>
+                <a:ea typeface="Arial"/>
+                <a:cs typeface="Arial"/>
+                <a:sym typeface="Arial"/>
+              </a:rPr>
+              <a:t> </a:t>
+            </a:r>
+            <a:r>
+              <a:rPr lang="en-US" sz="1919" dirty="0" err="1">
+                <a:solidFill>
+                  <a:srgbClr val="545454"/>
+                </a:solidFill>
+                <a:latin typeface="Arial"/>
+                <a:ea typeface="Arial"/>
+                <a:cs typeface="Arial"/>
+                <a:sym typeface="Arial"/>
+              </a:rPr>
+              <a:t>vértice</a:t>
+            </a:r>
+            <a:r>
+              <a:rPr lang="en-US" sz="1919" dirty="0">
+                <a:solidFill>
+                  <a:srgbClr val="545454"/>
+                </a:solidFill>
+                <a:latin typeface="Arial"/>
+                <a:ea typeface="Arial"/>
+                <a:cs typeface="Arial"/>
+                <a:sym typeface="Arial"/>
+              </a:rPr>
+              <a:t> </a:t>
+            </a:r>
+            <a:r>
+              <a:rPr lang="en-US" sz="1919" dirty="0" err="1">
+                <a:solidFill>
+                  <a:srgbClr val="545454"/>
+                </a:solidFill>
+                <a:latin typeface="Arial"/>
+                <a:ea typeface="Arial"/>
+                <a:cs typeface="Arial"/>
+                <a:sym typeface="Arial"/>
+              </a:rPr>
+              <a:t>sem</a:t>
+            </a:r>
+            <a:r>
+              <a:rPr lang="en-US" sz="1919" dirty="0">
+                <a:solidFill>
+                  <a:srgbClr val="545454"/>
+                </a:solidFill>
+                <a:latin typeface="Arial"/>
+                <a:ea typeface="Arial"/>
+                <a:cs typeface="Arial"/>
+                <a:sym typeface="Arial"/>
+              </a:rPr>
+              <a:t> </a:t>
+            </a:r>
+            <a:r>
+              <a:rPr lang="en-US" sz="1919" dirty="0" err="1">
+                <a:solidFill>
+                  <a:srgbClr val="545454"/>
+                </a:solidFill>
+                <a:latin typeface="Arial"/>
+                <a:ea typeface="Arial"/>
+                <a:cs typeface="Arial"/>
+                <a:sym typeface="Arial"/>
+              </a:rPr>
+              <a:t>grau</a:t>
+            </a:r>
+            <a:r>
+              <a:rPr lang="en-US" sz="1919" dirty="0">
+                <a:solidFill>
+                  <a:srgbClr val="545454"/>
+                </a:solidFill>
+                <a:latin typeface="Arial"/>
+                <a:ea typeface="Arial"/>
+                <a:cs typeface="Arial"/>
+                <a:sym typeface="Arial"/>
+              </a:rPr>
+              <a:t> d(v¹)=0, </a:t>
+            </a:r>
+            <a:r>
+              <a:rPr lang="en-US" sz="1919" dirty="0" err="1">
+                <a:solidFill>
+                  <a:srgbClr val="545454"/>
+                </a:solidFill>
+                <a:latin typeface="Arial"/>
+                <a:ea typeface="Arial"/>
+                <a:cs typeface="Arial"/>
+                <a:sym typeface="Arial"/>
+              </a:rPr>
+              <a:t>vértice</a:t>
+            </a:r>
+            <a:r>
+              <a:rPr lang="en-US" sz="1919" dirty="0">
+                <a:solidFill>
+                  <a:srgbClr val="545454"/>
+                </a:solidFill>
+                <a:latin typeface="Arial"/>
+                <a:ea typeface="Arial"/>
+                <a:cs typeface="Arial"/>
+                <a:sym typeface="Arial"/>
+              </a:rPr>
+              <a:t> final é </a:t>
+            </a:r>
+            <a:r>
+              <a:rPr lang="en-US" sz="1919" dirty="0" err="1">
+                <a:solidFill>
+                  <a:srgbClr val="545454"/>
+                </a:solidFill>
+                <a:latin typeface="Arial"/>
+                <a:ea typeface="Arial"/>
+                <a:cs typeface="Arial"/>
+                <a:sym typeface="Arial"/>
+              </a:rPr>
+              <a:t>uma</a:t>
+            </a:r>
+            <a:r>
+              <a:rPr lang="en-US" sz="1919" dirty="0">
+                <a:solidFill>
+                  <a:srgbClr val="545454"/>
+                </a:solidFill>
+                <a:latin typeface="Arial"/>
+                <a:ea typeface="Arial"/>
+                <a:cs typeface="Arial"/>
+                <a:sym typeface="Arial"/>
+              </a:rPr>
+              <a:t> </a:t>
+            </a:r>
+            <a:r>
+              <a:rPr lang="en-US" sz="1919" dirty="0" err="1">
+                <a:solidFill>
+                  <a:srgbClr val="545454"/>
+                </a:solidFill>
+                <a:latin typeface="Arial"/>
+                <a:ea typeface="Arial"/>
+                <a:cs typeface="Arial"/>
+                <a:sym typeface="Arial"/>
+              </a:rPr>
+              <a:t>vértice</a:t>
+            </a:r>
+            <a:r>
+              <a:rPr lang="en-US" sz="1919" dirty="0">
+                <a:solidFill>
+                  <a:srgbClr val="545454"/>
+                </a:solidFill>
+                <a:latin typeface="Arial"/>
+                <a:ea typeface="Arial"/>
+                <a:cs typeface="Arial"/>
+                <a:sym typeface="Arial"/>
+              </a:rPr>
+              <a:t> com </a:t>
+            </a:r>
+            <a:r>
+              <a:rPr lang="en-US" sz="1919" dirty="0" err="1">
+                <a:solidFill>
+                  <a:srgbClr val="545454"/>
+                </a:solidFill>
+                <a:latin typeface="Arial"/>
+                <a:ea typeface="Arial"/>
+                <a:cs typeface="Arial"/>
+                <a:sym typeface="Arial"/>
+              </a:rPr>
+              <a:t>grau</a:t>
+            </a:r>
+            <a:r>
+              <a:rPr lang="en-US" sz="1919" dirty="0">
+                <a:solidFill>
+                  <a:srgbClr val="545454"/>
+                </a:solidFill>
+                <a:latin typeface="Arial"/>
+                <a:ea typeface="Arial"/>
+                <a:cs typeface="Arial"/>
+                <a:sym typeface="Arial"/>
+              </a:rPr>
+              <a:t> d(v¹)= 1, </a:t>
+            </a:r>
+            <a:r>
+              <a:rPr lang="en-US" sz="1919" dirty="0" err="1">
+                <a:solidFill>
+                  <a:srgbClr val="545454"/>
+                </a:solidFill>
+                <a:latin typeface="Arial"/>
+                <a:ea typeface="Arial"/>
+                <a:cs typeface="Arial"/>
+                <a:sym typeface="Arial"/>
+              </a:rPr>
+              <a:t>grafo</a:t>
+            </a:r>
+            <a:r>
+              <a:rPr lang="en-US" sz="1919" dirty="0">
+                <a:solidFill>
+                  <a:srgbClr val="545454"/>
+                </a:solidFill>
+                <a:latin typeface="Arial"/>
+                <a:ea typeface="Arial"/>
+                <a:cs typeface="Arial"/>
+                <a:sym typeface="Arial"/>
+              </a:rPr>
+              <a:t> </a:t>
+            </a:r>
+            <a:r>
+              <a:rPr lang="en-US" sz="1919" dirty="0" err="1">
+                <a:solidFill>
+                  <a:srgbClr val="545454"/>
+                </a:solidFill>
+                <a:latin typeface="Arial"/>
+                <a:ea typeface="Arial"/>
+                <a:cs typeface="Arial"/>
+                <a:sym typeface="Arial"/>
+              </a:rPr>
+              <a:t>nulo</a:t>
+            </a:r>
+            <a:r>
+              <a:rPr lang="en-US" sz="1919" dirty="0">
+                <a:solidFill>
+                  <a:srgbClr val="545454"/>
+                </a:solidFill>
+                <a:latin typeface="Arial"/>
+                <a:ea typeface="Arial"/>
+                <a:cs typeface="Arial"/>
+                <a:sym typeface="Arial"/>
+              </a:rPr>
+              <a:t> é um </a:t>
+            </a:r>
+            <a:r>
+              <a:rPr lang="en-US" sz="1919" dirty="0" err="1">
+                <a:solidFill>
+                  <a:srgbClr val="545454"/>
+                </a:solidFill>
+                <a:latin typeface="Arial"/>
+                <a:ea typeface="Arial"/>
+                <a:cs typeface="Arial"/>
+                <a:sym typeface="Arial"/>
+              </a:rPr>
+              <a:t>grafo</a:t>
+            </a:r>
+            <a:r>
+              <a:rPr lang="en-US" sz="1919" dirty="0">
+                <a:solidFill>
+                  <a:srgbClr val="545454"/>
+                </a:solidFill>
+                <a:latin typeface="Arial"/>
+                <a:ea typeface="Arial"/>
+                <a:cs typeface="Arial"/>
+                <a:sym typeface="Arial"/>
+              </a:rPr>
+              <a:t> </a:t>
+            </a:r>
+            <a:r>
+              <a:rPr lang="en-US" sz="1919" dirty="0" err="1">
+                <a:solidFill>
+                  <a:srgbClr val="545454"/>
+                </a:solidFill>
+                <a:latin typeface="Arial"/>
+                <a:ea typeface="Arial"/>
+                <a:cs typeface="Arial"/>
+                <a:sym typeface="Arial"/>
+              </a:rPr>
+              <a:t>onde</a:t>
+            </a:r>
+            <a:r>
+              <a:rPr lang="en-US" sz="1919" dirty="0">
+                <a:solidFill>
+                  <a:srgbClr val="545454"/>
+                </a:solidFill>
+                <a:latin typeface="Arial"/>
+                <a:ea typeface="Arial"/>
+                <a:cs typeface="Arial"/>
+                <a:sym typeface="Arial"/>
+              </a:rPr>
+              <a:t> o total de </a:t>
+            </a:r>
+            <a:r>
+              <a:rPr lang="en-US" sz="1919" dirty="0" err="1">
+                <a:solidFill>
+                  <a:srgbClr val="545454"/>
+                </a:solidFill>
+                <a:latin typeface="Arial"/>
+                <a:ea typeface="Arial"/>
+                <a:cs typeface="Arial"/>
+                <a:sym typeface="Arial"/>
+              </a:rPr>
+              <a:t>grau</a:t>
+            </a:r>
+            <a:r>
+              <a:rPr lang="en-US" sz="1919" dirty="0">
+                <a:solidFill>
+                  <a:srgbClr val="545454"/>
+                </a:solidFill>
+                <a:latin typeface="Arial"/>
+                <a:ea typeface="Arial"/>
+                <a:cs typeface="Arial"/>
+                <a:sym typeface="Arial"/>
+              </a:rPr>
+              <a:t> do </a:t>
+            </a:r>
+            <a:r>
+              <a:rPr lang="en-US" sz="1919" dirty="0" err="1">
+                <a:solidFill>
+                  <a:srgbClr val="545454"/>
+                </a:solidFill>
+                <a:latin typeface="Arial"/>
+                <a:ea typeface="Arial"/>
+                <a:cs typeface="Arial"/>
+                <a:sym typeface="Arial"/>
+              </a:rPr>
+              <a:t>grafo</a:t>
+            </a:r>
+            <a:r>
+              <a:rPr lang="en-US" sz="1919" dirty="0">
+                <a:solidFill>
+                  <a:srgbClr val="545454"/>
+                </a:solidFill>
+                <a:latin typeface="Arial"/>
+                <a:ea typeface="Arial"/>
+                <a:cs typeface="Arial"/>
+                <a:sym typeface="Arial"/>
+              </a:rPr>
+              <a:t> é 0</a:t>
+            </a:r>
+            <a:endParaRPr dirty="0"/>
           </a:p>
           <a:p>
             <a:pPr marL="0" marR="0" lvl="0" indent="0" algn="l" rtl="0">
@@ -27858,7 +29905,7 @@
               </a:spcAft>
               <a:buNone/>
             </a:pPr>
-            <a:endParaRPr sz="1919">
+            <a:endParaRPr sz="1919" dirty="0">
               <a:solidFill>
                 <a:srgbClr val="545454"/>
               </a:solidFill>
@@ -29073,7 +31120,7 @@
         <p:spPr>
           <a:xfrm>
             <a:off x="1657113" y="1512259"/>
-            <a:ext cx="7557058" cy="1560195"/>
+            <a:ext cx="7557058" cy="1920526"/>
           </a:xfrm>
           <a:prstGeom prst="rect">
             <a:avLst/>
@@ -29102,7 +31149,7 @@
               <a:buNone/>
             </a:pPr>
             <a:r>
-              <a:rPr lang="en-US" sz="2400">
+              <a:rPr lang="en-US" sz="2400" dirty="0">
                 <a:solidFill>
                   <a:srgbClr val="545454"/>
                 </a:solidFill>
@@ -29111,9 +31158,525 @@
                 <a:cs typeface="Arial"/>
                 <a:sym typeface="Arial"/>
               </a:rPr>
-              <a:t>Uma figura geometrica é considerada Congruente quando são identicas em termos de propriedades geometricas( altura, area etc), um Grafo é isomorfo quando são identicos em termos de teoria de grafos</a:t>
-            </a:r>
-            <a:endParaRPr/>
+              <a:t>Uma </a:t>
+            </a:r>
+            <a:r>
+              <a:rPr lang="en-US" sz="2400" dirty="0" err="1">
+                <a:solidFill>
+                  <a:srgbClr val="545454"/>
+                </a:solidFill>
+                <a:latin typeface="Arial"/>
+                <a:ea typeface="Arial"/>
+                <a:cs typeface="Arial"/>
+                <a:sym typeface="Arial"/>
+              </a:rPr>
+              <a:t>figura</a:t>
+            </a:r>
+            <a:r>
+              <a:rPr lang="en-US" sz="2400" dirty="0">
+                <a:solidFill>
+                  <a:srgbClr val="545454"/>
+                </a:solidFill>
+                <a:latin typeface="Arial"/>
+                <a:ea typeface="Arial"/>
+                <a:cs typeface="Arial"/>
+                <a:sym typeface="Arial"/>
+              </a:rPr>
+              <a:t> </a:t>
+            </a:r>
+            <a:r>
+              <a:rPr lang="en-US" sz="2400" dirty="0" err="1">
+                <a:solidFill>
+                  <a:srgbClr val="545454"/>
+                </a:solidFill>
+                <a:latin typeface="Arial"/>
+                <a:ea typeface="Arial"/>
+                <a:cs typeface="Arial"/>
+                <a:sym typeface="Arial"/>
+              </a:rPr>
+              <a:t>geometrica</a:t>
+            </a:r>
+            <a:r>
+              <a:rPr lang="en-US" sz="2400" dirty="0">
+                <a:solidFill>
+                  <a:srgbClr val="545454"/>
+                </a:solidFill>
+                <a:latin typeface="Arial"/>
+                <a:ea typeface="Arial"/>
+                <a:cs typeface="Arial"/>
+                <a:sym typeface="Arial"/>
+              </a:rPr>
+              <a:t> é </a:t>
+            </a:r>
+            <a:r>
+              <a:rPr lang="en-US" sz="2400" dirty="0" err="1">
+                <a:solidFill>
+                  <a:srgbClr val="545454"/>
+                </a:solidFill>
+                <a:latin typeface="Arial"/>
+                <a:ea typeface="Arial"/>
+                <a:cs typeface="Arial"/>
+                <a:sym typeface="Arial"/>
+              </a:rPr>
+              <a:t>considerada</a:t>
+            </a:r>
+            <a:r>
+              <a:rPr lang="en-US" sz="2400" dirty="0">
+                <a:solidFill>
+                  <a:srgbClr val="545454"/>
+                </a:solidFill>
+                <a:latin typeface="Arial"/>
+                <a:ea typeface="Arial"/>
+                <a:cs typeface="Arial"/>
+                <a:sym typeface="Arial"/>
+              </a:rPr>
+              <a:t> </a:t>
+            </a:r>
+            <a:r>
+              <a:rPr lang="en-US" sz="2400" dirty="0" err="1">
+                <a:solidFill>
+                  <a:srgbClr val="545454"/>
+                </a:solidFill>
+                <a:latin typeface="Arial"/>
+                <a:ea typeface="Arial"/>
+                <a:cs typeface="Arial"/>
+                <a:sym typeface="Arial"/>
+              </a:rPr>
+              <a:t>Congruente</a:t>
+            </a:r>
+            <a:r>
+              <a:rPr lang="en-US" sz="2400" dirty="0">
+                <a:solidFill>
+                  <a:srgbClr val="545454"/>
+                </a:solidFill>
+                <a:latin typeface="Arial"/>
+                <a:ea typeface="Arial"/>
+                <a:cs typeface="Arial"/>
+                <a:sym typeface="Arial"/>
+              </a:rPr>
+              <a:t> </a:t>
+            </a:r>
+            <a:r>
+              <a:rPr lang="en-US" sz="2400" dirty="0" err="1">
+                <a:solidFill>
+                  <a:srgbClr val="545454"/>
+                </a:solidFill>
+                <a:latin typeface="Arial"/>
+                <a:ea typeface="Arial"/>
+                <a:cs typeface="Arial"/>
+                <a:sym typeface="Arial"/>
+              </a:rPr>
+              <a:t>quando</a:t>
+            </a:r>
+            <a:r>
+              <a:rPr lang="en-US" sz="2400" dirty="0">
+                <a:solidFill>
+                  <a:srgbClr val="545454"/>
+                </a:solidFill>
+                <a:latin typeface="Arial"/>
+                <a:ea typeface="Arial"/>
+                <a:cs typeface="Arial"/>
+                <a:sym typeface="Arial"/>
+              </a:rPr>
+              <a:t> </a:t>
+            </a:r>
+            <a:r>
+              <a:rPr lang="en-US" sz="2400" dirty="0" err="1">
+                <a:solidFill>
+                  <a:srgbClr val="545454"/>
+                </a:solidFill>
+                <a:latin typeface="Arial"/>
+                <a:ea typeface="Arial"/>
+                <a:cs typeface="Arial"/>
+                <a:sym typeface="Arial"/>
+              </a:rPr>
+              <a:t>são</a:t>
+            </a:r>
+            <a:r>
+              <a:rPr lang="en-US" sz="2400" dirty="0">
+                <a:solidFill>
+                  <a:srgbClr val="545454"/>
+                </a:solidFill>
+                <a:latin typeface="Arial"/>
+                <a:ea typeface="Arial"/>
+                <a:cs typeface="Arial"/>
+                <a:sym typeface="Arial"/>
+              </a:rPr>
+              <a:t> </a:t>
+            </a:r>
+            <a:r>
+              <a:rPr lang="en-US" sz="2400" dirty="0" err="1">
+                <a:solidFill>
+                  <a:srgbClr val="545454"/>
+                </a:solidFill>
+                <a:latin typeface="Arial"/>
+                <a:ea typeface="Arial"/>
+                <a:cs typeface="Arial"/>
+                <a:sym typeface="Arial"/>
+              </a:rPr>
+              <a:t>identicas</a:t>
+            </a:r>
+            <a:r>
+              <a:rPr lang="en-US" sz="2400" dirty="0">
+                <a:solidFill>
+                  <a:srgbClr val="545454"/>
+                </a:solidFill>
+                <a:latin typeface="Arial"/>
+                <a:ea typeface="Arial"/>
+                <a:cs typeface="Arial"/>
+                <a:sym typeface="Arial"/>
+              </a:rPr>
+              <a:t> </a:t>
+            </a:r>
+            <a:r>
+              <a:rPr lang="en-US" sz="2400" dirty="0" err="1">
+                <a:solidFill>
+                  <a:srgbClr val="545454"/>
+                </a:solidFill>
+                <a:latin typeface="Arial"/>
+                <a:ea typeface="Arial"/>
+                <a:cs typeface="Arial"/>
+                <a:sym typeface="Arial"/>
+              </a:rPr>
+              <a:t>em</a:t>
+            </a:r>
+            <a:r>
+              <a:rPr lang="en-US" sz="2400" dirty="0">
+                <a:solidFill>
+                  <a:srgbClr val="545454"/>
+                </a:solidFill>
+                <a:latin typeface="Arial"/>
+                <a:ea typeface="Arial"/>
+                <a:cs typeface="Arial"/>
+                <a:sym typeface="Arial"/>
+              </a:rPr>
+              <a:t> </a:t>
+            </a:r>
+            <a:r>
+              <a:rPr lang="en-US" sz="2400" dirty="0" err="1">
+                <a:solidFill>
+                  <a:srgbClr val="545454"/>
+                </a:solidFill>
+                <a:latin typeface="Arial"/>
+                <a:ea typeface="Arial"/>
+                <a:cs typeface="Arial"/>
+                <a:sym typeface="Arial"/>
+              </a:rPr>
+              <a:t>termos</a:t>
+            </a:r>
+            <a:r>
+              <a:rPr lang="en-US" sz="2400" dirty="0">
+                <a:solidFill>
+                  <a:srgbClr val="545454"/>
+                </a:solidFill>
+                <a:latin typeface="Arial"/>
+                <a:ea typeface="Arial"/>
+                <a:cs typeface="Arial"/>
+                <a:sym typeface="Arial"/>
+              </a:rPr>
+              <a:t> de </a:t>
+            </a:r>
+            <a:r>
+              <a:rPr lang="en-US" sz="2400" dirty="0" err="1">
+                <a:solidFill>
+                  <a:srgbClr val="545454"/>
+                </a:solidFill>
+                <a:latin typeface="Arial"/>
+                <a:ea typeface="Arial"/>
+                <a:cs typeface="Arial"/>
+                <a:sym typeface="Arial"/>
+              </a:rPr>
+              <a:t>propriedades</a:t>
+            </a:r>
+            <a:r>
+              <a:rPr lang="en-US" sz="2400" dirty="0">
+                <a:solidFill>
+                  <a:srgbClr val="545454"/>
+                </a:solidFill>
+                <a:latin typeface="Arial"/>
+                <a:ea typeface="Arial"/>
+                <a:cs typeface="Arial"/>
+                <a:sym typeface="Arial"/>
+              </a:rPr>
+              <a:t> </a:t>
+            </a:r>
+            <a:r>
+              <a:rPr lang="en-US" sz="2400" dirty="0" err="1">
+                <a:solidFill>
+                  <a:srgbClr val="545454"/>
+                </a:solidFill>
+                <a:latin typeface="Arial"/>
+                <a:ea typeface="Arial"/>
+                <a:cs typeface="Arial"/>
+                <a:sym typeface="Arial"/>
+              </a:rPr>
+              <a:t>geométricas</a:t>
+            </a:r>
+            <a:r>
+              <a:rPr lang="en-US" sz="2400" dirty="0">
+                <a:solidFill>
+                  <a:srgbClr val="545454"/>
+                </a:solidFill>
+                <a:latin typeface="Arial"/>
+                <a:ea typeface="Arial"/>
+                <a:cs typeface="Arial"/>
+                <a:sym typeface="Arial"/>
+              </a:rPr>
+              <a:t>( </a:t>
+            </a:r>
+            <a:r>
+              <a:rPr lang="en-US" sz="2400" dirty="0" err="1">
+                <a:solidFill>
+                  <a:srgbClr val="545454"/>
+                </a:solidFill>
+                <a:latin typeface="Arial"/>
+                <a:ea typeface="Arial"/>
+                <a:cs typeface="Arial"/>
+                <a:sym typeface="Arial"/>
+              </a:rPr>
+              <a:t>altura</a:t>
+            </a:r>
+            <a:r>
+              <a:rPr lang="en-US" sz="2400" dirty="0">
+                <a:solidFill>
+                  <a:srgbClr val="545454"/>
+                </a:solidFill>
+                <a:latin typeface="Arial"/>
+                <a:ea typeface="Arial"/>
+                <a:cs typeface="Arial"/>
+                <a:sym typeface="Arial"/>
+              </a:rPr>
+              <a:t>, area </a:t>
+            </a:r>
+            <a:r>
+              <a:rPr lang="en-US" sz="2400" dirty="0" err="1">
+                <a:solidFill>
+                  <a:srgbClr val="545454"/>
+                </a:solidFill>
+                <a:latin typeface="Arial"/>
+                <a:ea typeface="Arial"/>
+                <a:cs typeface="Arial"/>
+                <a:sym typeface="Arial"/>
+              </a:rPr>
+              <a:t>etc</a:t>
+            </a:r>
+            <a:r>
+              <a:rPr lang="en-US" sz="2400" dirty="0">
+                <a:solidFill>
+                  <a:srgbClr val="545454"/>
+                </a:solidFill>
+                <a:latin typeface="Arial"/>
+                <a:ea typeface="Arial"/>
+                <a:cs typeface="Arial"/>
+                <a:sym typeface="Arial"/>
+              </a:rPr>
+              <a:t>), um </a:t>
+            </a:r>
+            <a:r>
+              <a:rPr lang="en-US" sz="2400" dirty="0" err="1">
+                <a:solidFill>
+                  <a:srgbClr val="545454"/>
+                </a:solidFill>
+                <a:latin typeface="Arial"/>
+                <a:ea typeface="Arial"/>
+                <a:cs typeface="Arial"/>
+                <a:sym typeface="Arial"/>
+              </a:rPr>
+              <a:t>Grafo</a:t>
+            </a:r>
+            <a:r>
+              <a:rPr lang="en-US" sz="2400" dirty="0">
+                <a:solidFill>
+                  <a:srgbClr val="545454"/>
+                </a:solidFill>
+                <a:latin typeface="Arial"/>
+                <a:ea typeface="Arial"/>
+                <a:cs typeface="Arial"/>
+                <a:sym typeface="Arial"/>
+              </a:rPr>
+              <a:t> é </a:t>
+            </a:r>
+            <a:r>
+              <a:rPr lang="en-US" sz="2400" dirty="0" err="1">
+                <a:solidFill>
+                  <a:srgbClr val="545454"/>
+                </a:solidFill>
+                <a:latin typeface="Arial"/>
+                <a:ea typeface="Arial"/>
+                <a:cs typeface="Arial"/>
+                <a:sym typeface="Arial"/>
+              </a:rPr>
+              <a:t>isomorfo</a:t>
+            </a:r>
+            <a:r>
+              <a:rPr lang="en-US" sz="2400" dirty="0">
+                <a:solidFill>
+                  <a:srgbClr val="545454"/>
+                </a:solidFill>
+                <a:latin typeface="Arial"/>
+                <a:ea typeface="Arial"/>
+                <a:cs typeface="Arial"/>
+                <a:sym typeface="Arial"/>
+              </a:rPr>
+              <a:t> </a:t>
+            </a:r>
+            <a:r>
+              <a:rPr lang="en-US" sz="2400" dirty="0" err="1">
+                <a:solidFill>
+                  <a:srgbClr val="545454"/>
+                </a:solidFill>
+                <a:latin typeface="Arial"/>
+                <a:ea typeface="Arial"/>
+                <a:cs typeface="Arial"/>
+                <a:sym typeface="Arial"/>
+              </a:rPr>
+              <a:t>quando</a:t>
+            </a:r>
+            <a:r>
+              <a:rPr lang="en-US" sz="2400" dirty="0">
+                <a:solidFill>
+                  <a:srgbClr val="545454"/>
+                </a:solidFill>
+                <a:latin typeface="Arial"/>
+                <a:ea typeface="Arial"/>
+                <a:cs typeface="Arial"/>
+                <a:sym typeface="Arial"/>
+              </a:rPr>
+              <a:t> </a:t>
+            </a:r>
+            <a:r>
+              <a:rPr lang="en-US" sz="2400" dirty="0" err="1">
+                <a:solidFill>
+                  <a:srgbClr val="545454"/>
+                </a:solidFill>
+                <a:latin typeface="Arial"/>
+                <a:ea typeface="Arial"/>
+                <a:cs typeface="Arial"/>
+                <a:sym typeface="Arial"/>
+              </a:rPr>
+              <a:t>são</a:t>
+            </a:r>
+            <a:r>
+              <a:rPr lang="en-US" sz="2400" dirty="0">
+                <a:solidFill>
+                  <a:srgbClr val="545454"/>
+                </a:solidFill>
+                <a:latin typeface="Arial"/>
+                <a:ea typeface="Arial"/>
+                <a:cs typeface="Arial"/>
+                <a:sym typeface="Arial"/>
+              </a:rPr>
+              <a:t> </a:t>
+            </a:r>
+            <a:r>
+              <a:rPr lang="en-US" sz="2400" dirty="0" err="1">
+                <a:solidFill>
+                  <a:srgbClr val="545454"/>
+                </a:solidFill>
+                <a:latin typeface="Arial"/>
+                <a:ea typeface="Arial"/>
+                <a:cs typeface="Arial"/>
+                <a:sym typeface="Arial"/>
+              </a:rPr>
+              <a:t>idênticos</a:t>
+            </a:r>
+            <a:r>
+              <a:rPr lang="en-US" sz="2400" dirty="0">
+                <a:solidFill>
+                  <a:srgbClr val="545454"/>
+                </a:solidFill>
+                <a:latin typeface="Arial"/>
+                <a:ea typeface="Arial"/>
+                <a:cs typeface="Arial"/>
+                <a:sym typeface="Arial"/>
+              </a:rPr>
+              <a:t> </a:t>
+            </a:r>
+            <a:r>
+              <a:rPr lang="en-US" sz="2400" dirty="0" err="1">
+                <a:solidFill>
+                  <a:srgbClr val="545454"/>
+                </a:solidFill>
+                <a:latin typeface="Arial"/>
+                <a:ea typeface="Arial"/>
+                <a:cs typeface="Arial"/>
+                <a:sym typeface="Arial"/>
+              </a:rPr>
+              <a:t>em</a:t>
+            </a:r>
+            <a:r>
+              <a:rPr lang="en-US" sz="2400" dirty="0">
+                <a:solidFill>
+                  <a:srgbClr val="545454"/>
+                </a:solidFill>
+                <a:latin typeface="Arial"/>
+                <a:ea typeface="Arial"/>
+                <a:cs typeface="Arial"/>
+                <a:sym typeface="Arial"/>
+              </a:rPr>
+              <a:t> </a:t>
+            </a:r>
+            <a:r>
+              <a:rPr lang="en-US" sz="2400" dirty="0" err="1">
+                <a:solidFill>
+                  <a:srgbClr val="545454"/>
+                </a:solidFill>
+                <a:latin typeface="Arial"/>
+                <a:ea typeface="Arial"/>
+                <a:cs typeface="Arial"/>
+                <a:sym typeface="Arial"/>
+              </a:rPr>
+              <a:t>termos</a:t>
+            </a:r>
+            <a:r>
+              <a:rPr lang="en-US" sz="2400" dirty="0">
+                <a:solidFill>
+                  <a:srgbClr val="545454"/>
+                </a:solidFill>
+                <a:latin typeface="Arial"/>
+                <a:ea typeface="Arial"/>
+                <a:cs typeface="Arial"/>
+                <a:sym typeface="Arial"/>
+              </a:rPr>
+              <a:t> de </a:t>
+            </a:r>
+            <a:r>
+              <a:rPr lang="en-US" sz="2400" dirty="0" err="1">
+                <a:solidFill>
+                  <a:srgbClr val="545454"/>
+                </a:solidFill>
+                <a:latin typeface="Arial"/>
+                <a:ea typeface="Arial"/>
+                <a:cs typeface="Arial"/>
+                <a:sym typeface="Arial"/>
+              </a:rPr>
+              <a:t>teoria</a:t>
+            </a:r>
+            <a:r>
+              <a:rPr lang="en-US" sz="2400" dirty="0">
+                <a:solidFill>
+                  <a:srgbClr val="545454"/>
+                </a:solidFill>
+                <a:latin typeface="Arial"/>
+                <a:ea typeface="Arial"/>
+                <a:cs typeface="Arial"/>
+                <a:sym typeface="Arial"/>
+              </a:rPr>
+              <a:t> de </a:t>
+            </a:r>
+            <a:r>
+              <a:rPr lang="en-US" sz="2400" dirty="0" err="1">
+                <a:solidFill>
+                  <a:srgbClr val="545454"/>
+                </a:solidFill>
+                <a:latin typeface="Arial"/>
+                <a:ea typeface="Arial"/>
+                <a:cs typeface="Arial"/>
+                <a:sym typeface="Arial"/>
+              </a:rPr>
+              <a:t>grafos</a:t>
+            </a:r>
+            <a:endParaRPr dirty="0"/>
           </a:p>
         </p:txBody>
       </p:sp>
@@ -29187,7 +31750,7 @@
         <p:spPr>
           <a:xfrm>
             <a:off x="7207277" y="7185971"/>
-            <a:ext cx="7882606" cy="1560195"/>
+            <a:ext cx="7882606" cy="1920526"/>
           </a:xfrm>
           <a:prstGeom prst="rect">
             <a:avLst/>
@@ -29216,7 +31779,7 @@
               <a:buNone/>
             </a:pPr>
             <a:r>
-              <a:rPr lang="en-US" sz="2400">
+              <a:rPr lang="en-US" sz="2400" dirty="0" err="1">
                 <a:solidFill>
                   <a:srgbClr val="545454"/>
                 </a:solidFill>
@@ -29225,9 +31788,309 @@
                 <a:cs typeface="Arial"/>
                 <a:sym typeface="Arial"/>
               </a:rPr>
-              <a:t>Grafos são Isomorfos quando possuem equivalencia um pra um entre, vertices, e arestas, de forma que as relações e incidencias sejam preservadas.</a:t>
-            </a:r>
-            <a:endParaRPr/>
+              <a:t>Grafos</a:t>
+            </a:r>
+            <a:r>
+              <a:rPr lang="en-US" sz="2400" dirty="0">
+                <a:solidFill>
+                  <a:srgbClr val="545454"/>
+                </a:solidFill>
+                <a:latin typeface="Arial"/>
+                <a:ea typeface="Arial"/>
+                <a:cs typeface="Arial"/>
+                <a:sym typeface="Arial"/>
+              </a:rPr>
+              <a:t> </a:t>
+            </a:r>
+            <a:r>
+              <a:rPr lang="en-US" sz="2400" dirty="0" err="1">
+                <a:solidFill>
+                  <a:srgbClr val="545454"/>
+                </a:solidFill>
+                <a:latin typeface="Arial"/>
+                <a:ea typeface="Arial"/>
+                <a:cs typeface="Arial"/>
+                <a:sym typeface="Arial"/>
+              </a:rPr>
+              <a:t>são</a:t>
+            </a:r>
+            <a:r>
+              <a:rPr lang="en-US" sz="2400" dirty="0">
+                <a:solidFill>
+                  <a:srgbClr val="545454"/>
+                </a:solidFill>
+                <a:latin typeface="Arial"/>
+                <a:ea typeface="Arial"/>
+                <a:cs typeface="Arial"/>
+                <a:sym typeface="Arial"/>
+              </a:rPr>
+              <a:t> </a:t>
+            </a:r>
+            <a:r>
+              <a:rPr lang="en-US" sz="2400" dirty="0" err="1">
+                <a:solidFill>
+                  <a:srgbClr val="545454"/>
+                </a:solidFill>
+                <a:latin typeface="Arial"/>
+                <a:ea typeface="Arial"/>
+                <a:cs typeface="Arial"/>
+                <a:sym typeface="Arial"/>
+              </a:rPr>
+              <a:t>Isomorfos</a:t>
+            </a:r>
+            <a:r>
+              <a:rPr lang="en-US" sz="2400" dirty="0">
+                <a:solidFill>
+                  <a:srgbClr val="545454"/>
+                </a:solidFill>
+                <a:latin typeface="Arial"/>
+                <a:ea typeface="Arial"/>
+                <a:cs typeface="Arial"/>
+                <a:sym typeface="Arial"/>
+              </a:rPr>
+              <a:t> </a:t>
+            </a:r>
+            <a:r>
+              <a:rPr lang="en-US" sz="2400" dirty="0" err="1">
+                <a:solidFill>
+                  <a:srgbClr val="545454"/>
+                </a:solidFill>
+                <a:latin typeface="Arial"/>
+                <a:ea typeface="Arial"/>
+                <a:cs typeface="Arial"/>
+                <a:sym typeface="Arial"/>
+              </a:rPr>
+              <a:t>quando</a:t>
+            </a:r>
+            <a:r>
+              <a:rPr lang="en-US" sz="2400" dirty="0">
+                <a:solidFill>
+                  <a:srgbClr val="545454"/>
+                </a:solidFill>
+                <a:latin typeface="Arial"/>
+                <a:ea typeface="Arial"/>
+                <a:cs typeface="Arial"/>
+                <a:sym typeface="Arial"/>
+              </a:rPr>
+              <a:t> </a:t>
+            </a:r>
+            <a:r>
+              <a:rPr lang="en-US" sz="2400" dirty="0" err="1">
+                <a:solidFill>
+                  <a:srgbClr val="545454"/>
+                </a:solidFill>
+                <a:latin typeface="Arial"/>
+                <a:ea typeface="Arial"/>
+                <a:cs typeface="Arial"/>
+                <a:sym typeface="Arial"/>
+              </a:rPr>
+              <a:t>possuem</a:t>
+            </a:r>
+            <a:r>
+              <a:rPr lang="en-US" sz="2400" dirty="0">
+                <a:solidFill>
+                  <a:srgbClr val="545454"/>
+                </a:solidFill>
+                <a:latin typeface="Arial"/>
+                <a:ea typeface="Arial"/>
+                <a:cs typeface="Arial"/>
+                <a:sym typeface="Arial"/>
+              </a:rPr>
+              <a:t> </a:t>
+            </a:r>
+            <a:r>
+              <a:rPr lang="en-US" sz="2400" dirty="0" err="1">
+                <a:solidFill>
+                  <a:srgbClr val="545454"/>
+                </a:solidFill>
+                <a:latin typeface="Arial"/>
+                <a:ea typeface="Arial"/>
+                <a:cs typeface="Arial"/>
+                <a:sym typeface="Arial"/>
+              </a:rPr>
+              <a:t>equivalência</a:t>
+            </a:r>
+            <a:r>
+              <a:rPr lang="en-US" sz="2400" dirty="0">
+                <a:solidFill>
+                  <a:srgbClr val="545454"/>
+                </a:solidFill>
+                <a:latin typeface="Arial"/>
+                <a:ea typeface="Arial"/>
+                <a:cs typeface="Arial"/>
+                <a:sym typeface="Arial"/>
+              </a:rPr>
+              <a:t> um </a:t>
+            </a:r>
+            <a:r>
+              <a:rPr lang="en-US" sz="2400" dirty="0" err="1">
+                <a:solidFill>
+                  <a:srgbClr val="545454"/>
+                </a:solidFill>
+                <a:latin typeface="Arial"/>
+                <a:ea typeface="Arial"/>
+                <a:cs typeface="Arial"/>
+                <a:sym typeface="Arial"/>
+              </a:rPr>
+              <a:t>pra</a:t>
+            </a:r>
+            <a:r>
+              <a:rPr lang="en-US" sz="2400" dirty="0">
+                <a:solidFill>
+                  <a:srgbClr val="545454"/>
+                </a:solidFill>
+                <a:latin typeface="Arial"/>
+                <a:ea typeface="Arial"/>
+                <a:cs typeface="Arial"/>
+                <a:sym typeface="Arial"/>
+              </a:rPr>
+              <a:t> um entre, </a:t>
+            </a:r>
+            <a:r>
+              <a:rPr lang="en-US" sz="2400" dirty="0" err="1">
+                <a:solidFill>
+                  <a:srgbClr val="545454"/>
+                </a:solidFill>
+                <a:latin typeface="Arial"/>
+                <a:ea typeface="Arial"/>
+                <a:cs typeface="Arial"/>
+                <a:sym typeface="Arial"/>
+              </a:rPr>
+              <a:t>vértices</a:t>
+            </a:r>
+            <a:r>
+              <a:rPr lang="en-US" sz="2400" dirty="0">
+                <a:solidFill>
+                  <a:srgbClr val="545454"/>
+                </a:solidFill>
+                <a:latin typeface="Arial"/>
+                <a:ea typeface="Arial"/>
+                <a:cs typeface="Arial"/>
+                <a:sym typeface="Arial"/>
+              </a:rPr>
+              <a:t>, e </a:t>
+            </a:r>
+            <a:r>
+              <a:rPr lang="en-US" sz="2400" dirty="0" err="1">
+                <a:solidFill>
+                  <a:srgbClr val="545454"/>
+                </a:solidFill>
+                <a:latin typeface="Arial"/>
+                <a:ea typeface="Arial"/>
+                <a:cs typeface="Arial"/>
+                <a:sym typeface="Arial"/>
+              </a:rPr>
+              <a:t>arestas</a:t>
+            </a:r>
+            <a:r>
+              <a:rPr lang="en-US" sz="2400" dirty="0">
+                <a:solidFill>
+                  <a:srgbClr val="545454"/>
+                </a:solidFill>
+                <a:latin typeface="Arial"/>
+                <a:ea typeface="Arial"/>
+                <a:cs typeface="Arial"/>
+                <a:sym typeface="Arial"/>
+              </a:rPr>
+              <a:t>, de forma que as </a:t>
+            </a:r>
+            <a:r>
+              <a:rPr lang="en-US" sz="2400" dirty="0" err="1">
+                <a:solidFill>
+                  <a:srgbClr val="545454"/>
+                </a:solidFill>
+                <a:latin typeface="Arial"/>
+                <a:ea typeface="Arial"/>
+                <a:cs typeface="Arial"/>
+                <a:sym typeface="Arial"/>
+              </a:rPr>
+              <a:t>relações</a:t>
+            </a:r>
+            <a:r>
+              <a:rPr lang="en-US" sz="2400" dirty="0">
+                <a:solidFill>
+                  <a:srgbClr val="545454"/>
+                </a:solidFill>
+                <a:latin typeface="Arial"/>
+                <a:ea typeface="Arial"/>
+                <a:cs typeface="Arial"/>
+                <a:sym typeface="Arial"/>
+              </a:rPr>
+              <a:t> e </a:t>
+            </a:r>
+            <a:r>
+              <a:rPr lang="en-US" sz="2400" dirty="0" err="1">
+                <a:solidFill>
+                  <a:srgbClr val="545454"/>
+                </a:solidFill>
+                <a:latin typeface="Arial"/>
+                <a:ea typeface="Arial"/>
+                <a:cs typeface="Arial"/>
+                <a:sym typeface="Arial"/>
+              </a:rPr>
+              <a:t>incidencias</a:t>
+            </a:r>
+            <a:r>
+              <a:rPr lang="en-US" sz="2400" dirty="0">
+                <a:solidFill>
+                  <a:srgbClr val="545454"/>
+                </a:solidFill>
+                <a:latin typeface="Arial"/>
+                <a:ea typeface="Arial"/>
+                <a:cs typeface="Arial"/>
+                <a:sym typeface="Arial"/>
+              </a:rPr>
+              <a:t> </a:t>
+            </a:r>
+            <a:r>
+              <a:rPr lang="en-US" sz="2400" dirty="0" err="1">
+                <a:solidFill>
+                  <a:srgbClr val="545454"/>
+                </a:solidFill>
+                <a:latin typeface="Arial"/>
+                <a:ea typeface="Arial"/>
+                <a:cs typeface="Arial"/>
+                <a:sym typeface="Arial"/>
+              </a:rPr>
+              <a:t>sejam</a:t>
+            </a:r>
+            <a:r>
+              <a:rPr lang="en-US" sz="2400" dirty="0">
+                <a:solidFill>
+                  <a:srgbClr val="545454"/>
+                </a:solidFill>
+                <a:latin typeface="Arial"/>
+                <a:ea typeface="Arial"/>
+                <a:cs typeface="Arial"/>
+                <a:sym typeface="Arial"/>
+              </a:rPr>
+              <a:t> </a:t>
+            </a:r>
+            <a:r>
+              <a:rPr lang="en-US" sz="2400" dirty="0" err="1">
+                <a:solidFill>
+                  <a:srgbClr val="545454"/>
+                </a:solidFill>
+                <a:latin typeface="Arial"/>
+                <a:ea typeface="Arial"/>
+                <a:cs typeface="Arial"/>
+                <a:sym typeface="Arial"/>
+              </a:rPr>
+              <a:t>preservadas</a:t>
+            </a:r>
+            <a:r>
+              <a:rPr lang="en-US" sz="2400" dirty="0">
+                <a:solidFill>
+                  <a:srgbClr val="545454"/>
+                </a:solidFill>
+                <a:latin typeface="Arial"/>
+                <a:ea typeface="Arial"/>
+                <a:cs typeface="Arial"/>
+                <a:sym typeface="Arial"/>
+              </a:rPr>
+              <a:t>.</a:t>
+            </a:r>
+            <a:endParaRPr dirty="0"/>
           </a:p>
           <a:p>
             <a:pPr marL="0" marR="0" lvl="0" indent="0" algn="l" rtl="0">
@@ -29242,7 +32105,7 @@
               </a:spcAft>
               <a:buNone/>
             </a:pPr>
-            <a:endParaRPr sz="2400">
+            <a:endParaRPr sz="2400" dirty="0">
               <a:solidFill>
                 <a:srgbClr val="545454"/>
               </a:solidFill>
@@ -29472,67 +32335,6 @@
                       </p:childTnLst>
                     </p:cTn>
                   </p:par>
-                  <p:par>
-                    <p:cTn id="21" fill="hold">
-                      <p:stCondLst>
-                        <p:cond delay="indefinite"/>
-                      </p:stCondLst>
-                      <p:childTnLst>
-                        <p:par>
-                          <p:cTn id="22" fill="hold">
-                            <p:stCondLst>
-                              <p:cond delay="0"/>
-                            </p:stCondLst>
-                            <p:childTnLst>
-                              <p:par>
-                                <p:cTn id="23" presetID="10" presetClass="entr" presetSubtype="0" fill="hold" nodeType="clickEffect">
-                                  <p:stCondLst>
-                                    <p:cond delay="0"/>
-                                  </p:stCondLst>
-                                  <p:childTnLst>
-                                    <p:set>
-                                      <p:cBhvr>
-                                        <p:cTn id="24" dur="1" fill="hold">
-                                          <p:stCondLst>
-                                            <p:cond delay="0"/>
-                                          </p:stCondLst>
-                                        </p:cTn>
-                                        <p:tgtEl>
-                                          <p:spTgt spid="206">
-                                            <p:txEl>
-                                              <p:pRg st="1" end="1"/>
-                                            </p:txEl>
-                                          </p:spTgt>
-                                        </p:tgtEl>
-                                        <p:attrNameLst>
-                                          <p:attrName>style.visibility</p:attrName>
-                                        </p:attrNameLst>
-                                      </p:cBhvr>
-                                      <p:to>
-                                        <p:strVal val="visible"/>
-                                      </p:to>
-                                    </p:set>
-                                    <p:animEffect transition="in" filter="fade">
-                                      <p:cBhvr>
-                                        <p:cTn id="25" dur="500"/>
-                                        <p:tgtEl>
-                                          <p:spTgt spid="206">
-                                            <p:txEl>
-                                              <p:pRg st="1" end="1"/>
-                                            </p:txEl>
-                                          </p:spTgt>
-                                        </p:tgtEl>
-                                      </p:cBhvr>
-                                    </p:animEffect>
-                                  </p:childTnLst>
-                                </p:cTn>
-                              </p:par>
-                            </p:childTnLst>
-                          </p:cTn>
-                        </p:par>
-                      </p:childTnLst>
-                    </p:cTn>
-                  </p:par>
                 </p:childTnLst>
               </p:cTn>
               <p:prevCondLst>
@@ -30772,7 +33574,7 @@
         <p:spPr>
           <a:xfrm>
             <a:off x="2059000" y="3403163"/>
-            <a:ext cx="6131856" cy="678180"/>
+            <a:ext cx="6131856" cy="840230"/>
           </a:xfrm>
           <a:prstGeom prst="rect">
             <a:avLst/>
@@ -30801,7 +33603,7 @@
               <a:buNone/>
             </a:pPr>
             <a:r>
-              <a:rPr lang="en-US" sz="2100">
+              <a:rPr lang="en-US" sz="2100" dirty="0">
                 <a:solidFill>
                   <a:srgbClr val="545454"/>
                 </a:solidFill>
@@ -30810,9 +33612,213 @@
                 <a:cs typeface="Open Sans"/>
                 <a:sym typeface="Open Sans"/>
               </a:rPr>
-              <a:t>walk é uma sequencia finita de vertices e arestas, começando e terminando em vertices</a:t>
-            </a:r>
-            <a:endParaRPr/>
+              <a:t>walk é </a:t>
+            </a:r>
+            <a:r>
+              <a:rPr lang="en-US" sz="2100" dirty="0" err="1">
+                <a:solidFill>
+                  <a:srgbClr val="545454"/>
+                </a:solidFill>
+                <a:latin typeface="Open Sans"/>
+                <a:ea typeface="Open Sans"/>
+                <a:cs typeface="Open Sans"/>
+                <a:sym typeface="Open Sans"/>
+              </a:rPr>
+              <a:t>uma</a:t>
+            </a:r>
+            <a:r>
+              <a:rPr lang="en-US" sz="2100" dirty="0">
+                <a:solidFill>
+                  <a:srgbClr val="545454"/>
+                </a:solidFill>
+                <a:latin typeface="Open Sans"/>
+                <a:ea typeface="Open Sans"/>
+                <a:cs typeface="Open Sans"/>
+                <a:sym typeface="Open Sans"/>
+              </a:rPr>
+              <a:t> </a:t>
+            </a:r>
+            <a:r>
+              <a:rPr lang="en-US" sz="2100" dirty="0" err="1">
+                <a:solidFill>
+                  <a:srgbClr val="545454"/>
+                </a:solidFill>
+                <a:latin typeface="Open Sans"/>
+                <a:ea typeface="Open Sans"/>
+                <a:cs typeface="Open Sans"/>
+                <a:sym typeface="Open Sans"/>
+              </a:rPr>
+              <a:t>sequencia</a:t>
+            </a:r>
+            <a:r>
+              <a:rPr lang="en-US" sz="2100" dirty="0">
+                <a:solidFill>
+                  <a:srgbClr val="545454"/>
+                </a:solidFill>
+                <a:latin typeface="Open Sans"/>
+                <a:ea typeface="Open Sans"/>
+                <a:cs typeface="Open Sans"/>
+                <a:sym typeface="Open Sans"/>
+              </a:rPr>
+              <a:t> </a:t>
+            </a:r>
+            <a:r>
+              <a:rPr lang="en-US" sz="2100" dirty="0" err="1">
+                <a:solidFill>
+                  <a:srgbClr val="545454"/>
+                </a:solidFill>
+                <a:latin typeface="Open Sans"/>
+                <a:ea typeface="Open Sans"/>
+                <a:cs typeface="Open Sans"/>
+                <a:sym typeface="Open Sans"/>
+              </a:rPr>
+              <a:t>finita</a:t>
+            </a:r>
+            <a:r>
+              <a:rPr lang="en-US" sz="2100" dirty="0">
+                <a:solidFill>
+                  <a:srgbClr val="545454"/>
+                </a:solidFill>
+                <a:latin typeface="Open Sans"/>
+                <a:ea typeface="Open Sans"/>
+                <a:cs typeface="Open Sans"/>
+                <a:sym typeface="Open Sans"/>
+              </a:rPr>
+              <a:t> de </a:t>
+            </a:r>
+            <a:r>
+              <a:rPr lang="en-US" sz="2100" dirty="0" err="1">
+                <a:solidFill>
+                  <a:srgbClr val="545454"/>
+                </a:solidFill>
+                <a:latin typeface="Open Sans"/>
+                <a:ea typeface="Open Sans"/>
+                <a:cs typeface="Open Sans"/>
+                <a:sym typeface="Open Sans"/>
+              </a:rPr>
+              <a:t>vértices</a:t>
+            </a:r>
+            <a:r>
+              <a:rPr lang="en-US" sz="2100" dirty="0">
+                <a:solidFill>
+                  <a:srgbClr val="545454"/>
+                </a:solidFill>
+                <a:latin typeface="Open Sans"/>
+                <a:ea typeface="Open Sans"/>
+                <a:cs typeface="Open Sans"/>
+                <a:sym typeface="Open Sans"/>
+              </a:rPr>
+              <a:t> e </a:t>
+            </a:r>
+            <a:r>
+              <a:rPr lang="en-US" sz="2100" dirty="0" err="1">
+                <a:solidFill>
+                  <a:srgbClr val="545454"/>
+                </a:solidFill>
+                <a:latin typeface="Open Sans"/>
+                <a:ea typeface="Open Sans"/>
+                <a:cs typeface="Open Sans"/>
+                <a:sym typeface="Open Sans"/>
+              </a:rPr>
+              <a:t>arestas</a:t>
+            </a:r>
+            <a:r>
+              <a:rPr lang="en-US" sz="2100" dirty="0">
+                <a:solidFill>
+                  <a:srgbClr val="545454"/>
+                </a:solidFill>
+                <a:latin typeface="Open Sans"/>
+                <a:ea typeface="Open Sans"/>
+                <a:cs typeface="Open Sans"/>
+                <a:sym typeface="Open Sans"/>
+              </a:rPr>
+              <a:t>, </a:t>
+            </a:r>
+            <a:r>
+              <a:rPr lang="en-US" sz="2100" dirty="0" err="1">
+                <a:solidFill>
+                  <a:srgbClr val="545454"/>
+                </a:solidFill>
+                <a:latin typeface="Open Sans"/>
+                <a:ea typeface="Open Sans"/>
+                <a:cs typeface="Open Sans"/>
+                <a:sym typeface="Open Sans"/>
+              </a:rPr>
+              <a:t>começando</a:t>
+            </a:r>
+            <a:r>
+              <a:rPr lang="en-US" sz="2100" dirty="0">
+                <a:solidFill>
+                  <a:srgbClr val="545454"/>
+                </a:solidFill>
+                <a:latin typeface="Open Sans"/>
+                <a:ea typeface="Open Sans"/>
+                <a:cs typeface="Open Sans"/>
+                <a:sym typeface="Open Sans"/>
+              </a:rPr>
+              <a:t> e </a:t>
+            </a:r>
+            <a:r>
+              <a:rPr lang="en-US" sz="2100" dirty="0" err="1">
+                <a:solidFill>
+                  <a:srgbClr val="545454"/>
+                </a:solidFill>
+                <a:latin typeface="Open Sans"/>
+                <a:ea typeface="Open Sans"/>
+                <a:cs typeface="Open Sans"/>
+                <a:sym typeface="Open Sans"/>
+              </a:rPr>
+              <a:t>terminando</a:t>
+            </a:r>
+            <a:r>
+              <a:rPr lang="en-US" sz="2100" dirty="0">
+                <a:solidFill>
+                  <a:srgbClr val="545454"/>
+                </a:solidFill>
+                <a:latin typeface="Open Sans"/>
+                <a:ea typeface="Open Sans"/>
+                <a:cs typeface="Open Sans"/>
+                <a:sym typeface="Open Sans"/>
+              </a:rPr>
+              <a:t> </a:t>
+            </a:r>
+            <a:r>
+              <a:rPr lang="en-US" sz="2100" dirty="0" err="1">
+                <a:solidFill>
+                  <a:srgbClr val="545454"/>
+                </a:solidFill>
+                <a:latin typeface="Open Sans"/>
+                <a:ea typeface="Open Sans"/>
+                <a:cs typeface="Open Sans"/>
+                <a:sym typeface="Open Sans"/>
+              </a:rPr>
+              <a:t>em</a:t>
+            </a:r>
+            <a:r>
+              <a:rPr lang="en-US" sz="2100" dirty="0">
+                <a:solidFill>
+                  <a:srgbClr val="545454"/>
+                </a:solidFill>
+                <a:latin typeface="Open Sans"/>
+                <a:ea typeface="Open Sans"/>
+                <a:cs typeface="Open Sans"/>
+                <a:sym typeface="Open Sans"/>
+              </a:rPr>
+              <a:t> </a:t>
+            </a:r>
+            <a:r>
+              <a:rPr lang="en-US" sz="2100" dirty="0" err="1">
+                <a:solidFill>
+                  <a:srgbClr val="545454"/>
+                </a:solidFill>
+                <a:latin typeface="Open Sans"/>
+                <a:ea typeface="Open Sans"/>
+                <a:cs typeface="Open Sans"/>
+                <a:sym typeface="Open Sans"/>
+              </a:rPr>
+              <a:t>vértices</a:t>
+            </a:r>
+            <a:endParaRPr dirty="0"/>
           </a:p>
         </p:txBody>
       </p:sp>
@@ -30886,7 +33892,7 @@
         <p:spPr>
           <a:xfrm>
             <a:off x="2059000" y="7128243"/>
-            <a:ext cx="6131856" cy="727710"/>
+            <a:ext cx="6131856" cy="904478"/>
           </a:xfrm>
           <a:prstGeom prst="rect">
             <a:avLst/>
@@ -30915,7 +33921,7 @@
               <a:buNone/>
             </a:pPr>
             <a:r>
-              <a:rPr lang="en-US" sz="2099">
+              <a:rPr lang="en-US" sz="2099" dirty="0" err="1">
                 <a:solidFill>
                   <a:srgbClr val="000000"/>
                 </a:solidFill>
@@ -30924,9 +33930,213 @@
                 <a:cs typeface="Open Sans Light"/>
                 <a:sym typeface="Open Sans Light"/>
               </a:rPr>
-              <a:t>quando num walk fechado nenhuma vertice aparece mais que uma vez é chamado de circuit.</a:t>
-            </a:r>
-            <a:endParaRPr/>
+              <a:t>quando</a:t>
+            </a:r>
+            <a:r>
+              <a:rPr lang="en-US" sz="2099" dirty="0">
+                <a:solidFill>
+                  <a:srgbClr val="000000"/>
+                </a:solidFill>
+                <a:latin typeface="Open Sans Light"/>
+                <a:ea typeface="Open Sans Light"/>
+                <a:cs typeface="Open Sans Light"/>
+                <a:sym typeface="Open Sans Light"/>
+              </a:rPr>
+              <a:t> num walk </a:t>
+            </a:r>
+            <a:r>
+              <a:rPr lang="en-US" sz="2099" dirty="0" err="1">
+                <a:solidFill>
+                  <a:srgbClr val="000000"/>
+                </a:solidFill>
+                <a:latin typeface="Open Sans Light"/>
+                <a:ea typeface="Open Sans Light"/>
+                <a:cs typeface="Open Sans Light"/>
+                <a:sym typeface="Open Sans Light"/>
+              </a:rPr>
+              <a:t>fechado</a:t>
+            </a:r>
+            <a:r>
+              <a:rPr lang="en-US" sz="2099" dirty="0">
+                <a:solidFill>
+                  <a:srgbClr val="000000"/>
+                </a:solidFill>
+                <a:latin typeface="Open Sans Light"/>
+                <a:ea typeface="Open Sans Light"/>
+                <a:cs typeface="Open Sans Light"/>
+                <a:sym typeface="Open Sans Light"/>
+              </a:rPr>
+              <a:t> </a:t>
+            </a:r>
+            <a:r>
+              <a:rPr lang="en-US" sz="2099" dirty="0" err="1">
+                <a:solidFill>
+                  <a:srgbClr val="000000"/>
+                </a:solidFill>
+                <a:latin typeface="Open Sans Light"/>
+                <a:ea typeface="Open Sans Light"/>
+                <a:cs typeface="Open Sans Light"/>
+                <a:sym typeface="Open Sans Light"/>
+              </a:rPr>
+              <a:t>nenhuma</a:t>
+            </a:r>
+            <a:r>
+              <a:rPr lang="en-US" sz="2099" dirty="0">
+                <a:solidFill>
+                  <a:srgbClr val="000000"/>
+                </a:solidFill>
+                <a:latin typeface="Open Sans Light"/>
+                <a:ea typeface="Open Sans Light"/>
+                <a:cs typeface="Open Sans Light"/>
+                <a:sym typeface="Open Sans Light"/>
+              </a:rPr>
+              <a:t> </a:t>
+            </a:r>
+            <a:r>
+              <a:rPr lang="en-US" sz="2099" dirty="0" err="1">
+                <a:solidFill>
+                  <a:srgbClr val="000000"/>
+                </a:solidFill>
+                <a:latin typeface="Open Sans Light"/>
+                <a:ea typeface="Open Sans Light"/>
+                <a:cs typeface="Open Sans Light"/>
+                <a:sym typeface="Open Sans Light"/>
+              </a:rPr>
+              <a:t>vértice</a:t>
+            </a:r>
+            <a:r>
+              <a:rPr lang="en-US" sz="2099" dirty="0">
+                <a:solidFill>
+                  <a:srgbClr val="000000"/>
+                </a:solidFill>
+                <a:latin typeface="Open Sans Light"/>
+                <a:ea typeface="Open Sans Light"/>
+                <a:cs typeface="Open Sans Light"/>
+                <a:sym typeface="Open Sans Light"/>
+              </a:rPr>
+              <a:t> </a:t>
+            </a:r>
+            <a:r>
+              <a:rPr lang="en-US" sz="2099" dirty="0" err="1">
+                <a:solidFill>
+                  <a:srgbClr val="000000"/>
+                </a:solidFill>
+                <a:latin typeface="Open Sans Light"/>
+                <a:ea typeface="Open Sans Light"/>
+                <a:cs typeface="Open Sans Light"/>
+                <a:sym typeface="Open Sans Light"/>
+              </a:rPr>
+              <a:t>aparece</a:t>
+            </a:r>
+            <a:r>
+              <a:rPr lang="en-US" sz="2099" dirty="0">
+                <a:solidFill>
+                  <a:srgbClr val="000000"/>
+                </a:solidFill>
+                <a:latin typeface="Open Sans Light"/>
+                <a:ea typeface="Open Sans Light"/>
+                <a:cs typeface="Open Sans Light"/>
+                <a:sym typeface="Open Sans Light"/>
+              </a:rPr>
+              <a:t> </a:t>
+            </a:r>
+            <a:r>
+              <a:rPr lang="en-US" sz="2099" dirty="0" err="1">
+                <a:solidFill>
+                  <a:srgbClr val="000000"/>
+                </a:solidFill>
+                <a:latin typeface="Open Sans Light"/>
+                <a:ea typeface="Open Sans Light"/>
+                <a:cs typeface="Open Sans Light"/>
+                <a:sym typeface="Open Sans Light"/>
+              </a:rPr>
+              <a:t>mais</a:t>
+            </a:r>
+            <a:r>
+              <a:rPr lang="en-US" sz="2099" dirty="0">
+                <a:solidFill>
+                  <a:srgbClr val="000000"/>
+                </a:solidFill>
+                <a:latin typeface="Open Sans Light"/>
+                <a:ea typeface="Open Sans Light"/>
+                <a:cs typeface="Open Sans Light"/>
+                <a:sym typeface="Open Sans Light"/>
+              </a:rPr>
+              <a:t> que </a:t>
+            </a:r>
+            <a:r>
+              <a:rPr lang="en-US" sz="2099" dirty="0" err="1">
+                <a:solidFill>
+                  <a:srgbClr val="000000"/>
+                </a:solidFill>
+                <a:latin typeface="Open Sans Light"/>
+                <a:ea typeface="Open Sans Light"/>
+                <a:cs typeface="Open Sans Light"/>
+                <a:sym typeface="Open Sans Light"/>
+              </a:rPr>
+              <a:t>uma</a:t>
+            </a:r>
+            <a:r>
+              <a:rPr lang="en-US" sz="2099" dirty="0">
+                <a:solidFill>
+                  <a:srgbClr val="000000"/>
+                </a:solidFill>
+                <a:latin typeface="Open Sans Light"/>
+                <a:ea typeface="Open Sans Light"/>
+                <a:cs typeface="Open Sans Light"/>
+                <a:sym typeface="Open Sans Light"/>
+              </a:rPr>
+              <a:t> </a:t>
+            </a:r>
+            <a:r>
+              <a:rPr lang="en-US" sz="2099" dirty="0" err="1">
+                <a:solidFill>
+                  <a:srgbClr val="000000"/>
+                </a:solidFill>
+                <a:latin typeface="Open Sans Light"/>
+                <a:ea typeface="Open Sans Light"/>
+                <a:cs typeface="Open Sans Light"/>
+                <a:sym typeface="Open Sans Light"/>
+              </a:rPr>
+              <a:t>vez</a:t>
+            </a:r>
+            <a:r>
+              <a:rPr lang="en-US" sz="2099" dirty="0">
+                <a:solidFill>
+                  <a:srgbClr val="000000"/>
+                </a:solidFill>
+                <a:latin typeface="Open Sans Light"/>
+                <a:ea typeface="Open Sans Light"/>
+                <a:cs typeface="Open Sans Light"/>
+                <a:sym typeface="Open Sans Light"/>
+              </a:rPr>
+              <a:t> é </a:t>
+            </a:r>
+            <a:r>
+              <a:rPr lang="en-US" sz="2099" dirty="0" err="1">
+                <a:solidFill>
+                  <a:srgbClr val="000000"/>
+                </a:solidFill>
+                <a:latin typeface="Open Sans Light"/>
+                <a:ea typeface="Open Sans Light"/>
+                <a:cs typeface="Open Sans Light"/>
+                <a:sym typeface="Open Sans Light"/>
+              </a:rPr>
+              <a:t>chamado</a:t>
+            </a:r>
+            <a:r>
+              <a:rPr lang="en-US" sz="2099" dirty="0">
+                <a:solidFill>
+                  <a:srgbClr val="000000"/>
+                </a:solidFill>
+                <a:latin typeface="Open Sans Light"/>
+                <a:ea typeface="Open Sans Light"/>
+                <a:cs typeface="Open Sans Light"/>
+                <a:sym typeface="Open Sans Light"/>
+              </a:rPr>
+              <a:t> de circuit.</a:t>
+            </a:r>
+            <a:endParaRPr dirty="0"/>
           </a:p>
         </p:txBody>
       </p:sp>
@@ -32097,7 +35307,7 @@
         <p:spPr>
           <a:xfrm>
             <a:off x="1403080" y="3485794"/>
-            <a:ext cx="7367173" cy="1234568"/>
+            <a:ext cx="7367173" cy="1535805"/>
           </a:xfrm>
           <a:prstGeom prst="rect">
             <a:avLst/>
@@ -32126,7 +35336,15 @@
               <a:buNone/>
             </a:pPr>
             <a:r>
-              <a:rPr lang="en-US" sz="1919">
+              <a:rPr lang="en-US" sz="1919" dirty="0" err="1">
+                <a:solidFill>
+                  <a:srgbClr val="545454"/>
+                </a:solidFill>
+              </a:rPr>
+              <a:t>Á</a:t>
+            </a:r>
+            <a:r>
+              <a:rPr lang="en-US" sz="1919" dirty="0" err="1">
                 <a:solidFill>
                   <a:srgbClr val="545454"/>
                 </a:solidFill>
@@ -32135,9 +35353,429 @@
                 <a:cs typeface="Arial"/>
                 <a:sym typeface="Arial"/>
               </a:rPr>
-              <a:t>arvores são grafos sem circuito, só pode existir um caminho entre cada par de vertices. consideraremos apenas arvores não nulas e não infinitas.</a:t>
-            </a:r>
-            <a:endParaRPr/>
+              <a:t>rvores</a:t>
+            </a:r>
+            <a:r>
+              <a:rPr lang="en-US" sz="1919" dirty="0">
+                <a:solidFill>
+                  <a:srgbClr val="545454"/>
+                </a:solidFill>
+                <a:latin typeface="Arial"/>
+                <a:ea typeface="Arial"/>
+                <a:cs typeface="Arial"/>
+                <a:sym typeface="Arial"/>
+              </a:rPr>
+              <a:t> </a:t>
+            </a:r>
+            <a:r>
+              <a:rPr lang="en-US" sz="1919" dirty="0" err="1">
+                <a:solidFill>
+                  <a:srgbClr val="545454"/>
+                </a:solidFill>
+                <a:latin typeface="Arial"/>
+                <a:ea typeface="Arial"/>
+                <a:cs typeface="Arial"/>
+                <a:sym typeface="Arial"/>
+              </a:rPr>
+              <a:t>são</a:t>
+            </a:r>
+            <a:r>
+              <a:rPr lang="en-US" sz="1919" dirty="0">
+                <a:solidFill>
+                  <a:srgbClr val="545454"/>
+                </a:solidFill>
+                <a:latin typeface="Arial"/>
+                <a:ea typeface="Arial"/>
+                <a:cs typeface="Arial"/>
+                <a:sym typeface="Arial"/>
+              </a:rPr>
+              <a:t> </a:t>
+            </a:r>
+            <a:r>
+              <a:rPr lang="en-US" sz="1919" dirty="0" err="1">
+                <a:solidFill>
+                  <a:srgbClr val="545454"/>
+                </a:solidFill>
+                <a:latin typeface="Arial"/>
+                <a:ea typeface="Arial"/>
+                <a:cs typeface="Arial"/>
+                <a:sym typeface="Arial"/>
+              </a:rPr>
+              <a:t>grafos</a:t>
+            </a:r>
+            <a:r>
+              <a:rPr lang="en-US" sz="1919" dirty="0">
+                <a:solidFill>
+                  <a:srgbClr val="545454"/>
+                </a:solidFill>
+                <a:latin typeface="Arial"/>
+                <a:ea typeface="Arial"/>
+                <a:cs typeface="Arial"/>
+                <a:sym typeface="Arial"/>
+              </a:rPr>
+              <a:t> </a:t>
+            </a:r>
+            <a:r>
+              <a:rPr lang="en-US" sz="1919" dirty="0" err="1">
+                <a:solidFill>
+                  <a:srgbClr val="545454"/>
+                </a:solidFill>
+                <a:latin typeface="Arial"/>
+                <a:ea typeface="Arial"/>
+                <a:cs typeface="Arial"/>
+                <a:sym typeface="Arial"/>
+              </a:rPr>
+              <a:t>sem</a:t>
+            </a:r>
+            <a:r>
+              <a:rPr lang="en-US" sz="1919" dirty="0">
+                <a:solidFill>
+                  <a:srgbClr val="545454"/>
+                </a:solidFill>
+                <a:latin typeface="Arial"/>
+                <a:ea typeface="Arial"/>
+                <a:cs typeface="Arial"/>
+                <a:sym typeface="Arial"/>
+              </a:rPr>
+              <a:t> </a:t>
+            </a:r>
+            <a:r>
+              <a:rPr lang="en-US" sz="1919" dirty="0" err="1">
+                <a:solidFill>
+                  <a:srgbClr val="545454"/>
+                </a:solidFill>
+                <a:latin typeface="Arial"/>
+                <a:ea typeface="Arial"/>
+                <a:cs typeface="Arial"/>
+                <a:sym typeface="Arial"/>
+              </a:rPr>
+              <a:t>circuito</a:t>
+            </a:r>
+            <a:r>
+              <a:rPr lang="en-US" sz="1919" dirty="0">
+                <a:solidFill>
+                  <a:srgbClr val="545454"/>
+                </a:solidFill>
+                <a:latin typeface="Arial"/>
+                <a:ea typeface="Arial"/>
+                <a:cs typeface="Arial"/>
+                <a:sym typeface="Arial"/>
+              </a:rPr>
+              <a:t>, </a:t>
+            </a:r>
+            <a:r>
+              <a:rPr lang="en-US" sz="1919" dirty="0" err="1">
+                <a:solidFill>
+                  <a:srgbClr val="545454"/>
+                </a:solidFill>
+                <a:latin typeface="Arial"/>
+                <a:ea typeface="Arial"/>
+                <a:cs typeface="Arial"/>
+                <a:sym typeface="Arial"/>
+              </a:rPr>
+              <a:t>só</a:t>
+            </a:r>
+            <a:r>
+              <a:rPr lang="en-US" sz="1919" dirty="0">
+                <a:solidFill>
+                  <a:srgbClr val="545454"/>
+                </a:solidFill>
+                <a:latin typeface="Arial"/>
+                <a:ea typeface="Arial"/>
+                <a:cs typeface="Arial"/>
+                <a:sym typeface="Arial"/>
+              </a:rPr>
+              <a:t> </a:t>
+            </a:r>
+            <a:r>
+              <a:rPr lang="en-US" sz="1919" dirty="0" err="1">
+                <a:solidFill>
+                  <a:srgbClr val="545454"/>
+                </a:solidFill>
+                <a:latin typeface="Arial"/>
+                <a:ea typeface="Arial"/>
+                <a:cs typeface="Arial"/>
+                <a:sym typeface="Arial"/>
+              </a:rPr>
+              <a:t>pode</a:t>
+            </a:r>
+            <a:r>
+              <a:rPr lang="en-US" sz="1919" dirty="0">
+                <a:solidFill>
+                  <a:srgbClr val="545454"/>
+                </a:solidFill>
+                <a:latin typeface="Arial"/>
+                <a:ea typeface="Arial"/>
+                <a:cs typeface="Arial"/>
+                <a:sym typeface="Arial"/>
+              </a:rPr>
+              <a:t> </a:t>
+            </a:r>
+            <a:r>
+              <a:rPr lang="en-US" sz="1919" dirty="0" err="1">
+                <a:solidFill>
+                  <a:srgbClr val="545454"/>
+                </a:solidFill>
+                <a:latin typeface="Arial"/>
+                <a:ea typeface="Arial"/>
+                <a:cs typeface="Arial"/>
+                <a:sym typeface="Arial"/>
+              </a:rPr>
+              <a:t>existir</a:t>
+            </a:r>
+            <a:r>
+              <a:rPr lang="en-US" sz="1919" dirty="0">
+                <a:solidFill>
+                  <a:srgbClr val="545454"/>
+                </a:solidFill>
+                <a:latin typeface="Arial"/>
+                <a:ea typeface="Arial"/>
+                <a:cs typeface="Arial"/>
+                <a:sym typeface="Arial"/>
+              </a:rPr>
+              <a:t> um </a:t>
+            </a:r>
+            <a:r>
+              <a:rPr lang="en-US" sz="1919" dirty="0" err="1">
+                <a:solidFill>
+                  <a:srgbClr val="545454"/>
+                </a:solidFill>
+                <a:latin typeface="Arial"/>
+                <a:ea typeface="Arial"/>
+                <a:cs typeface="Arial"/>
+                <a:sym typeface="Arial"/>
+              </a:rPr>
+              <a:t>caminho</a:t>
+            </a:r>
+            <a:r>
+              <a:rPr lang="en-US" sz="1919" dirty="0">
+                <a:solidFill>
+                  <a:srgbClr val="545454"/>
+                </a:solidFill>
+                <a:latin typeface="Arial"/>
+                <a:ea typeface="Arial"/>
+                <a:cs typeface="Arial"/>
+                <a:sym typeface="Arial"/>
+              </a:rPr>
+              <a:t> entre </a:t>
+            </a:r>
+            <a:r>
+              <a:rPr lang="en-US" sz="1919" dirty="0" err="1">
+                <a:solidFill>
+                  <a:srgbClr val="545454"/>
+                </a:solidFill>
+                <a:latin typeface="Arial"/>
+                <a:ea typeface="Arial"/>
+                <a:cs typeface="Arial"/>
+                <a:sym typeface="Arial"/>
+              </a:rPr>
+              <a:t>cada</a:t>
+            </a:r>
+            <a:r>
+              <a:rPr lang="en-US" sz="1919" dirty="0">
+                <a:solidFill>
+                  <a:srgbClr val="545454"/>
+                </a:solidFill>
+                <a:latin typeface="Arial"/>
+                <a:ea typeface="Arial"/>
+                <a:cs typeface="Arial"/>
+                <a:sym typeface="Arial"/>
+              </a:rPr>
+              <a:t> par de </a:t>
+            </a:r>
+            <a:r>
+              <a:rPr lang="en-US" sz="1919" dirty="0" err="1">
+                <a:solidFill>
+                  <a:srgbClr val="545454"/>
+                </a:solidFill>
+                <a:latin typeface="Arial"/>
+                <a:ea typeface="Arial"/>
+                <a:cs typeface="Arial"/>
+                <a:sym typeface="Arial"/>
+              </a:rPr>
+              <a:t>vértices</a:t>
+            </a:r>
+            <a:r>
+              <a:rPr lang="en-US" sz="1919" dirty="0">
+                <a:solidFill>
+                  <a:srgbClr val="545454"/>
+                </a:solidFill>
+                <a:latin typeface="Arial"/>
+                <a:ea typeface="Arial"/>
+                <a:cs typeface="Arial"/>
+                <a:sym typeface="Arial"/>
+              </a:rPr>
+              <a:t>. </a:t>
+            </a:r>
+            <a:r>
+              <a:rPr lang="en-US" sz="1919" dirty="0" err="1">
+                <a:solidFill>
+                  <a:srgbClr val="545454"/>
+                </a:solidFill>
+                <a:latin typeface="Arial"/>
+                <a:ea typeface="Arial"/>
+                <a:cs typeface="Arial"/>
+                <a:sym typeface="Arial"/>
+              </a:rPr>
+              <a:t>consideraremos</a:t>
+            </a:r>
+            <a:r>
+              <a:rPr lang="en-US" sz="1919" dirty="0">
+                <a:solidFill>
+                  <a:srgbClr val="545454"/>
+                </a:solidFill>
+                <a:latin typeface="Arial"/>
+                <a:ea typeface="Arial"/>
+                <a:cs typeface="Arial"/>
+                <a:sym typeface="Arial"/>
+              </a:rPr>
+              <a:t> </a:t>
+            </a:r>
+            <a:r>
+              <a:rPr lang="en-US" sz="1919" dirty="0" err="1">
+                <a:solidFill>
+                  <a:srgbClr val="545454"/>
+                </a:solidFill>
+                <a:latin typeface="Arial"/>
+                <a:ea typeface="Arial"/>
+                <a:cs typeface="Arial"/>
+                <a:sym typeface="Arial"/>
+              </a:rPr>
+              <a:t>apenas</a:t>
+            </a:r>
+            <a:r>
+              <a:rPr lang="en-US" sz="1919" dirty="0">
+                <a:solidFill>
+                  <a:srgbClr val="545454"/>
+                </a:solidFill>
+                <a:latin typeface="Arial"/>
+                <a:ea typeface="Arial"/>
+                <a:cs typeface="Arial"/>
+                <a:sym typeface="Arial"/>
+              </a:rPr>
+              <a:t> </a:t>
+            </a:r>
+            <a:r>
+              <a:rPr lang="en-US" sz="1919" dirty="0" err="1">
+                <a:solidFill>
+                  <a:srgbClr val="545454"/>
+                </a:solidFill>
+                <a:latin typeface="Arial"/>
+                <a:ea typeface="Arial"/>
+                <a:cs typeface="Arial"/>
+                <a:sym typeface="Arial"/>
+              </a:rPr>
+              <a:t>arvores</a:t>
+            </a:r>
+            <a:r>
+              <a:rPr lang="en-US" sz="1919" dirty="0">
+                <a:solidFill>
+                  <a:srgbClr val="545454"/>
+                </a:solidFill>
+                <a:latin typeface="Arial"/>
+                <a:ea typeface="Arial"/>
+                <a:cs typeface="Arial"/>
+                <a:sym typeface="Arial"/>
+              </a:rPr>
+              <a:t> </a:t>
+            </a:r>
+            <a:r>
+              <a:rPr lang="en-US" sz="1919" dirty="0" err="1">
+                <a:solidFill>
+                  <a:srgbClr val="545454"/>
+                </a:solidFill>
+                <a:latin typeface="Arial"/>
+                <a:ea typeface="Arial"/>
+                <a:cs typeface="Arial"/>
+                <a:sym typeface="Arial"/>
+              </a:rPr>
+              <a:t>não</a:t>
+            </a:r>
+            <a:r>
+              <a:rPr lang="en-US" sz="1919" dirty="0">
+                <a:solidFill>
+                  <a:srgbClr val="545454"/>
+                </a:solidFill>
+                <a:latin typeface="Arial"/>
+                <a:ea typeface="Arial"/>
+                <a:cs typeface="Arial"/>
+                <a:sym typeface="Arial"/>
+              </a:rPr>
+              <a:t> </a:t>
+            </a:r>
+            <a:r>
+              <a:rPr lang="en-US" sz="1919" dirty="0" err="1">
+                <a:solidFill>
+                  <a:srgbClr val="545454"/>
+                </a:solidFill>
+                <a:latin typeface="Arial"/>
+                <a:ea typeface="Arial"/>
+                <a:cs typeface="Arial"/>
+                <a:sym typeface="Arial"/>
+              </a:rPr>
+              <a:t>nulas</a:t>
+            </a:r>
+            <a:r>
+              <a:rPr lang="en-US" sz="1919" dirty="0">
+                <a:solidFill>
+                  <a:srgbClr val="545454"/>
+                </a:solidFill>
+                <a:latin typeface="Arial"/>
+                <a:ea typeface="Arial"/>
+                <a:cs typeface="Arial"/>
+                <a:sym typeface="Arial"/>
+              </a:rPr>
+              <a:t> e </a:t>
+            </a:r>
+            <a:r>
+              <a:rPr lang="en-US" sz="1919" dirty="0" err="1">
+                <a:solidFill>
+                  <a:srgbClr val="545454"/>
+                </a:solidFill>
+                <a:latin typeface="Arial"/>
+                <a:ea typeface="Arial"/>
+                <a:cs typeface="Arial"/>
+                <a:sym typeface="Arial"/>
+              </a:rPr>
+              <a:t>não</a:t>
+            </a:r>
+            <a:r>
+              <a:rPr lang="en-US" sz="1919" dirty="0">
+                <a:solidFill>
+                  <a:srgbClr val="545454"/>
+                </a:solidFill>
+                <a:latin typeface="Arial"/>
+                <a:ea typeface="Arial"/>
+                <a:cs typeface="Arial"/>
+                <a:sym typeface="Arial"/>
+              </a:rPr>
+              <a:t> </a:t>
+            </a:r>
+            <a:r>
+              <a:rPr lang="en-US" sz="1919" dirty="0" err="1">
+                <a:solidFill>
+                  <a:srgbClr val="545454"/>
+                </a:solidFill>
+                <a:latin typeface="Arial"/>
+                <a:ea typeface="Arial"/>
+                <a:cs typeface="Arial"/>
+                <a:sym typeface="Arial"/>
+              </a:rPr>
+              <a:t>infinitas</a:t>
+            </a:r>
+            <a:r>
+              <a:rPr lang="en-US" sz="1919" dirty="0">
+                <a:solidFill>
+                  <a:srgbClr val="545454"/>
+                </a:solidFill>
+                <a:latin typeface="Arial"/>
+                <a:ea typeface="Arial"/>
+                <a:cs typeface="Arial"/>
+                <a:sym typeface="Arial"/>
+              </a:rPr>
+              <a:t>.</a:t>
+            </a:r>
+            <a:endParaRPr dirty="0"/>
           </a:p>
           <a:p>
             <a:pPr marL="0" marR="0" lvl="0" indent="0" algn="l" rtl="0">
@@ -32152,7 +35790,7 @@
               </a:spcAft>
               <a:buNone/>
             </a:pPr>
-            <a:endParaRPr sz="1919">
+            <a:endParaRPr sz="1919" dirty="0">
               <a:solidFill>
                 <a:srgbClr val="545454"/>
               </a:solidFill>
@@ -32173,7 +35811,7 @@
         <p:spPr>
           <a:xfrm>
             <a:off x="1403080" y="5888041"/>
-            <a:ext cx="7367173" cy="922213"/>
+            <a:ext cx="7367173" cy="1151854"/>
           </a:xfrm>
           <a:prstGeom prst="rect">
             <a:avLst/>
@@ -32202,7 +35840,15 @@
               <a:buNone/>
             </a:pPr>
             <a:r>
-              <a:rPr lang="en-US" sz="1919">
+              <a:rPr lang="en-US" sz="1919" dirty="0">
+                <a:solidFill>
+                  <a:srgbClr val="545454"/>
+                </a:solidFill>
+              </a:rPr>
+              <a:t>O</a:t>
+            </a:r>
+            <a:r>
+              <a:rPr lang="en-US" sz="1919" dirty="0">
                 <a:solidFill>
                   <a:srgbClr val="545454"/>
                 </a:solidFill>
@@ -32211,9 +35857,209 @@
                 <a:cs typeface="Arial"/>
                 <a:sym typeface="Arial"/>
               </a:rPr>
-              <a:t>o numero de arestas numa arvore sempre é o numero de vertices menos 1( n-1).</a:t>
-            </a:r>
-            <a:endParaRPr/>
+              <a:t> </a:t>
+            </a:r>
+            <a:r>
+              <a:rPr lang="en-US" sz="1919" dirty="0" err="1">
+                <a:solidFill>
+                  <a:srgbClr val="545454"/>
+                </a:solidFill>
+                <a:latin typeface="Arial"/>
+                <a:ea typeface="Arial"/>
+                <a:cs typeface="Arial"/>
+                <a:sym typeface="Arial"/>
+              </a:rPr>
+              <a:t>número</a:t>
+            </a:r>
+            <a:r>
+              <a:rPr lang="en-US" sz="1919" dirty="0">
+                <a:solidFill>
+                  <a:srgbClr val="545454"/>
+                </a:solidFill>
+                <a:latin typeface="Arial"/>
+                <a:ea typeface="Arial"/>
+                <a:cs typeface="Arial"/>
+                <a:sym typeface="Arial"/>
+              </a:rPr>
+              <a:t> de </a:t>
+            </a:r>
+            <a:r>
+              <a:rPr lang="en-US" sz="1919" dirty="0" err="1">
+                <a:solidFill>
+                  <a:srgbClr val="545454"/>
+                </a:solidFill>
+                <a:latin typeface="Arial"/>
+                <a:ea typeface="Arial"/>
+                <a:cs typeface="Arial"/>
+                <a:sym typeface="Arial"/>
+              </a:rPr>
+              <a:t>arestas</a:t>
+            </a:r>
+            <a:r>
+              <a:rPr lang="en-US" sz="1919" dirty="0">
+                <a:solidFill>
+                  <a:srgbClr val="545454"/>
+                </a:solidFill>
+                <a:latin typeface="Arial"/>
+                <a:ea typeface="Arial"/>
+                <a:cs typeface="Arial"/>
+                <a:sym typeface="Arial"/>
+              </a:rPr>
+              <a:t> </a:t>
+            </a:r>
+            <a:r>
+              <a:rPr lang="en-US" sz="1919" dirty="0" err="1">
+                <a:solidFill>
+                  <a:srgbClr val="545454"/>
+                </a:solidFill>
+                <a:latin typeface="Arial"/>
+                <a:ea typeface="Arial"/>
+                <a:cs typeface="Arial"/>
+                <a:sym typeface="Arial"/>
+              </a:rPr>
+              <a:t>numa</a:t>
+            </a:r>
+            <a:r>
+              <a:rPr lang="en-US" sz="1919" dirty="0">
+                <a:solidFill>
+                  <a:srgbClr val="545454"/>
+                </a:solidFill>
+                <a:latin typeface="Arial"/>
+                <a:ea typeface="Arial"/>
+                <a:cs typeface="Arial"/>
+                <a:sym typeface="Arial"/>
+              </a:rPr>
+              <a:t> </a:t>
+            </a:r>
+            <a:r>
+              <a:rPr lang="en-US" sz="1919" dirty="0" err="1">
+                <a:solidFill>
+                  <a:srgbClr val="545454"/>
+                </a:solidFill>
+              </a:rPr>
+              <a:t>á</a:t>
+            </a:r>
+            <a:r>
+              <a:rPr lang="en-US" sz="1919" dirty="0" err="1">
+                <a:solidFill>
+                  <a:srgbClr val="545454"/>
+                </a:solidFill>
+                <a:latin typeface="Arial"/>
+                <a:ea typeface="Arial"/>
+                <a:cs typeface="Arial"/>
+                <a:sym typeface="Arial"/>
+              </a:rPr>
+              <a:t>rvore</a:t>
+            </a:r>
+            <a:r>
+              <a:rPr lang="en-US" sz="1919" dirty="0">
+                <a:solidFill>
+                  <a:srgbClr val="545454"/>
+                </a:solidFill>
+                <a:latin typeface="Arial"/>
+                <a:ea typeface="Arial"/>
+                <a:cs typeface="Arial"/>
+                <a:sym typeface="Arial"/>
+              </a:rPr>
+              <a:t> </a:t>
+            </a:r>
+            <a:r>
+              <a:rPr lang="en-US" sz="1919" dirty="0" err="1">
+                <a:solidFill>
+                  <a:srgbClr val="545454"/>
+                </a:solidFill>
+                <a:latin typeface="Arial"/>
+                <a:ea typeface="Arial"/>
+                <a:cs typeface="Arial"/>
+                <a:sym typeface="Arial"/>
+              </a:rPr>
+              <a:t>sempre</a:t>
+            </a:r>
+            <a:r>
+              <a:rPr lang="en-US" sz="1919" dirty="0">
+                <a:solidFill>
+                  <a:srgbClr val="545454"/>
+                </a:solidFill>
+                <a:latin typeface="Arial"/>
+                <a:ea typeface="Arial"/>
+                <a:cs typeface="Arial"/>
+                <a:sym typeface="Arial"/>
+              </a:rPr>
+              <a:t> é o </a:t>
+            </a:r>
+            <a:r>
+              <a:rPr lang="en-US" sz="1919" dirty="0" err="1">
+                <a:solidFill>
+                  <a:srgbClr val="545454"/>
+                </a:solidFill>
+                <a:latin typeface="Arial"/>
+                <a:ea typeface="Arial"/>
+                <a:cs typeface="Arial"/>
+                <a:sym typeface="Arial"/>
+              </a:rPr>
+              <a:t>número</a:t>
+            </a:r>
+            <a:r>
+              <a:rPr lang="en-US" sz="1919" dirty="0">
+                <a:solidFill>
+                  <a:srgbClr val="545454"/>
+                </a:solidFill>
+                <a:latin typeface="Arial"/>
+                <a:ea typeface="Arial"/>
+                <a:cs typeface="Arial"/>
+                <a:sym typeface="Arial"/>
+              </a:rPr>
+              <a:t> de </a:t>
+            </a:r>
+            <a:r>
+              <a:rPr lang="en-US" sz="1919" dirty="0" err="1">
+                <a:solidFill>
+                  <a:srgbClr val="545454"/>
+                </a:solidFill>
+                <a:latin typeface="Arial"/>
+                <a:ea typeface="Arial"/>
+                <a:cs typeface="Arial"/>
+                <a:sym typeface="Arial"/>
+              </a:rPr>
+              <a:t>vértices</a:t>
+            </a:r>
+            <a:r>
+              <a:rPr lang="en-US" sz="1919" dirty="0">
+                <a:solidFill>
+                  <a:srgbClr val="545454"/>
+                </a:solidFill>
+                <a:latin typeface="Arial"/>
+                <a:ea typeface="Arial"/>
+                <a:cs typeface="Arial"/>
+                <a:sym typeface="Arial"/>
+              </a:rPr>
+              <a:t> </a:t>
+            </a:r>
+            <a:r>
+              <a:rPr lang="en-US" sz="1919" dirty="0" err="1">
+                <a:solidFill>
+                  <a:srgbClr val="545454"/>
+                </a:solidFill>
+                <a:latin typeface="Arial"/>
+                <a:ea typeface="Arial"/>
+                <a:cs typeface="Arial"/>
+                <a:sym typeface="Arial"/>
+              </a:rPr>
+              <a:t>menos</a:t>
+            </a:r>
+            <a:r>
+              <a:rPr lang="en-US" sz="1919" dirty="0">
+                <a:solidFill>
+                  <a:srgbClr val="545454"/>
+                </a:solidFill>
+                <a:latin typeface="Arial"/>
+                <a:ea typeface="Arial"/>
+                <a:cs typeface="Arial"/>
+                <a:sym typeface="Arial"/>
+              </a:rPr>
+              <a:t> 1( n-1).</a:t>
+            </a:r>
+            <a:endParaRPr dirty="0"/>
           </a:p>
           <a:p>
             <a:pPr marL="0" marR="0" lvl="0" indent="0" algn="l" rtl="0">
@@ -32228,7 +36074,7 @@
               </a:spcAft>
               <a:buNone/>
             </a:pPr>
-            <a:endParaRPr sz="1919">
+            <a:endParaRPr sz="1919" dirty="0">
               <a:solidFill>
                 <a:srgbClr val="545454"/>
               </a:solidFill>
@@ -35358,7 +39204,7 @@
         <p:spPr>
           <a:xfrm>
             <a:off x="2059000" y="5022230"/>
-            <a:ext cx="6132000" cy="1508400"/>
+            <a:ext cx="6132000" cy="1600438"/>
           </a:xfrm>
           <a:prstGeom prst="rect">
             <a:avLst/>
@@ -35387,7 +39233,7 @@
               <a:buNone/>
             </a:pPr>
             <a:r>
-              <a:rPr lang="en-US" sz="2000">
+              <a:rPr lang="en-US" sz="2000" dirty="0">
                 <a:solidFill>
                   <a:srgbClr val="545454"/>
                 </a:solidFill>
@@ -35396,9 +39242,525 @@
                 <a:cs typeface="Open Sans"/>
                 <a:sym typeface="Open Sans"/>
               </a:rPr>
-              <a:t>O número de vértices da Árvore Binária é sempre Ímpar, pois o grafo sempre termina com cada vértice possuindo relação com mais duas vértices, até a vértice final que possuirá apenas uma relação</a:t>
-            </a:r>
-            <a:endParaRPr sz="2000">
+              <a:t>O </a:t>
+            </a:r>
+            <a:r>
+              <a:rPr lang="en-US" sz="2000" dirty="0" err="1">
+                <a:solidFill>
+                  <a:srgbClr val="545454"/>
+                </a:solidFill>
+                <a:latin typeface="Open Sans"/>
+                <a:ea typeface="Open Sans"/>
+                <a:cs typeface="Open Sans"/>
+                <a:sym typeface="Open Sans"/>
+              </a:rPr>
+              <a:t>número</a:t>
+            </a:r>
+            <a:r>
+              <a:rPr lang="en-US" sz="2000" dirty="0">
+                <a:solidFill>
+                  <a:srgbClr val="545454"/>
+                </a:solidFill>
+                <a:latin typeface="Open Sans"/>
+                <a:ea typeface="Open Sans"/>
+                <a:cs typeface="Open Sans"/>
+                <a:sym typeface="Open Sans"/>
+              </a:rPr>
+              <a:t> de </a:t>
+            </a:r>
+            <a:r>
+              <a:rPr lang="en-US" sz="2000" dirty="0" err="1">
+                <a:solidFill>
+                  <a:srgbClr val="545454"/>
+                </a:solidFill>
+                <a:latin typeface="Open Sans"/>
+                <a:ea typeface="Open Sans"/>
+                <a:cs typeface="Open Sans"/>
+                <a:sym typeface="Open Sans"/>
+              </a:rPr>
+              <a:t>vértices</a:t>
+            </a:r>
+            <a:r>
+              <a:rPr lang="en-US" sz="2000" dirty="0">
+                <a:solidFill>
+                  <a:srgbClr val="545454"/>
+                </a:solidFill>
+                <a:latin typeface="Open Sans"/>
+                <a:ea typeface="Open Sans"/>
+                <a:cs typeface="Open Sans"/>
+                <a:sym typeface="Open Sans"/>
+              </a:rPr>
+              <a:t> da </a:t>
+            </a:r>
+            <a:r>
+              <a:rPr lang="en-US" sz="2000" dirty="0" err="1">
+                <a:solidFill>
+                  <a:srgbClr val="545454"/>
+                </a:solidFill>
+                <a:latin typeface="Open Sans"/>
+                <a:ea typeface="Open Sans"/>
+                <a:cs typeface="Open Sans"/>
+                <a:sym typeface="Open Sans"/>
+              </a:rPr>
+              <a:t>Árvore</a:t>
+            </a:r>
+            <a:r>
+              <a:rPr lang="en-US" sz="2000" dirty="0">
+                <a:solidFill>
+                  <a:srgbClr val="545454"/>
+                </a:solidFill>
+                <a:latin typeface="Open Sans"/>
+                <a:ea typeface="Open Sans"/>
+                <a:cs typeface="Open Sans"/>
+                <a:sym typeface="Open Sans"/>
+              </a:rPr>
+              <a:t> </a:t>
+            </a:r>
+            <a:r>
+              <a:rPr lang="en-US" sz="2000" dirty="0" err="1">
+                <a:solidFill>
+                  <a:srgbClr val="545454"/>
+                </a:solidFill>
+                <a:latin typeface="Open Sans"/>
+                <a:ea typeface="Open Sans"/>
+                <a:cs typeface="Open Sans"/>
+                <a:sym typeface="Open Sans"/>
+              </a:rPr>
+              <a:t>Binária</a:t>
+            </a:r>
+            <a:r>
+              <a:rPr lang="en-US" sz="2000" dirty="0">
+                <a:solidFill>
+                  <a:srgbClr val="545454"/>
+                </a:solidFill>
+                <a:latin typeface="Open Sans"/>
+                <a:ea typeface="Open Sans"/>
+                <a:cs typeface="Open Sans"/>
+                <a:sym typeface="Open Sans"/>
+              </a:rPr>
+              <a:t> é </a:t>
+            </a:r>
+            <a:r>
+              <a:rPr lang="en-US" sz="2000" dirty="0" err="1">
+                <a:solidFill>
+                  <a:srgbClr val="545454"/>
+                </a:solidFill>
+                <a:latin typeface="Open Sans"/>
+                <a:ea typeface="Open Sans"/>
+                <a:cs typeface="Open Sans"/>
+                <a:sym typeface="Open Sans"/>
+              </a:rPr>
+              <a:t>sempre</a:t>
+            </a:r>
+            <a:r>
+              <a:rPr lang="en-US" sz="2000" dirty="0">
+                <a:solidFill>
+                  <a:srgbClr val="545454"/>
+                </a:solidFill>
+                <a:latin typeface="Open Sans"/>
+                <a:ea typeface="Open Sans"/>
+                <a:cs typeface="Open Sans"/>
+                <a:sym typeface="Open Sans"/>
+              </a:rPr>
+              <a:t> </a:t>
+            </a:r>
+            <a:r>
+              <a:rPr lang="en-US" sz="2000" dirty="0" err="1">
+                <a:solidFill>
+                  <a:srgbClr val="545454"/>
+                </a:solidFill>
+                <a:latin typeface="Open Sans"/>
+                <a:ea typeface="Open Sans"/>
+                <a:cs typeface="Open Sans"/>
+                <a:sym typeface="Open Sans"/>
+              </a:rPr>
+              <a:t>Ímpar</a:t>
+            </a:r>
+            <a:r>
+              <a:rPr lang="en-US" sz="2000" dirty="0">
+                <a:solidFill>
+                  <a:srgbClr val="545454"/>
+                </a:solidFill>
+                <a:latin typeface="Open Sans"/>
+                <a:ea typeface="Open Sans"/>
+                <a:cs typeface="Open Sans"/>
+                <a:sym typeface="Open Sans"/>
+              </a:rPr>
+              <a:t>, pois o </a:t>
+            </a:r>
+            <a:r>
+              <a:rPr lang="en-US" sz="2000" dirty="0" err="1">
+                <a:solidFill>
+                  <a:srgbClr val="545454"/>
+                </a:solidFill>
+                <a:latin typeface="Open Sans"/>
+                <a:ea typeface="Open Sans"/>
+                <a:cs typeface="Open Sans"/>
+                <a:sym typeface="Open Sans"/>
+              </a:rPr>
+              <a:t>grafo</a:t>
+            </a:r>
+            <a:r>
+              <a:rPr lang="en-US" sz="2000" dirty="0">
+                <a:solidFill>
+                  <a:srgbClr val="545454"/>
+                </a:solidFill>
+                <a:latin typeface="Open Sans"/>
+                <a:ea typeface="Open Sans"/>
+                <a:cs typeface="Open Sans"/>
+                <a:sym typeface="Open Sans"/>
+              </a:rPr>
+              <a:t> </a:t>
+            </a:r>
+            <a:r>
+              <a:rPr lang="en-US" sz="2000" dirty="0" err="1">
+                <a:solidFill>
+                  <a:srgbClr val="545454"/>
+                </a:solidFill>
+                <a:latin typeface="Open Sans"/>
+                <a:ea typeface="Open Sans"/>
+                <a:cs typeface="Open Sans"/>
+                <a:sym typeface="Open Sans"/>
+              </a:rPr>
+              <a:t>sempre</a:t>
+            </a:r>
+            <a:r>
+              <a:rPr lang="en-US" sz="2000" dirty="0">
+                <a:solidFill>
+                  <a:srgbClr val="545454"/>
+                </a:solidFill>
+                <a:latin typeface="Open Sans"/>
+                <a:ea typeface="Open Sans"/>
+                <a:cs typeface="Open Sans"/>
+                <a:sym typeface="Open Sans"/>
+              </a:rPr>
+              <a:t> </a:t>
+            </a:r>
+            <a:r>
+              <a:rPr lang="en-US" sz="2000" dirty="0" err="1">
+                <a:solidFill>
+                  <a:srgbClr val="545454"/>
+                </a:solidFill>
+                <a:latin typeface="Open Sans"/>
+                <a:ea typeface="Open Sans"/>
+                <a:cs typeface="Open Sans"/>
+                <a:sym typeface="Open Sans"/>
+              </a:rPr>
+              <a:t>termina</a:t>
+            </a:r>
+            <a:r>
+              <a:rPr lang="en-US" sz="2000" dirty="0">
+                <a:solidFill>
+                  <a:srgbClr val="545454"/>
+                </a:solidFill>
+                <a:latin typeface="Open Sans"/>
+                <a:ea typeface="Open Sans"/>
+                <a:cs typeface="Open Sans"/>
+                <a:sym typeface="Open Sans"/>
+              </a:rPr>
+              <a:t> com </a:t>
+            </a:r>
+            <a:r>
+              <a:rPr lang="en-US" sz="2000" dirty="0" err="1">
+                <a:solidFill>
+                  <a:srgbClr val="545454"/>
+                </a:solidFill>
+                <a:latin typeface="Open Sans"/>
+                <a:ea typeface="Open Sans"/>
+                <a:cs typeface="Open Sans"/>
+                <a:sym typeface="Open Sans"/>
+              </a:rPr>
+              <a:t>cada</a:t>
+            </a:r>
+            <a:r>
+              <a:rPr lang="en-US" sz="2000" dirty="0">
+                <a:solidFill>
+                  <a:srgbClr val="545454"/>
+                </a:solidFill>
+                <a:latin typeface="Open Sans"/>
+                <a:ea typeface="Open Sans"/>
+                <a:cs typeface="Open Sans"/>
+                <a:sym typeface="Open Sans"/>
+              </a:rPr>
+              <a:t> </a:t>
+            </a:r>
+            <a:r>
+              <a:rPr lang="en-US" sz="2000" dirty="0" err="1">
+                <a:solidFill>
+                  <a:srgbClr val="545454"/>
+                </a:solidFill>
+                <a:latin typeface="Open Sans"/>
+                <a:ea typeface="Open Sans"/>
+                <a:cs typeface="Open Sans"/>
+                <a:sym typeface="Open Sans"/>
+              </a:rPr>
+              <a:t>vértice</a:t>
+            </a:r>
+            <a:r>
+              <a:rPr lang="en-US" sz="2000" dirty="0">
+                <a:solidFill>
+                  <a:srgbClr val="545454"/>
+                </a:solidFill>
+                <a:latin typeface="Open Sans"/>
+                <a:ea typeface="Open Sans"/>
+                <a:cs typeface="Open Sans"/>
+                <a:sym typeface="Open Sans"/>
+              </a:rPr>
+              <a:t> </a:t>
+            </a:r>
+            <a:r>
+              <a:rPr lang="en-US" sz="2000" dirty="0" err="1">
+                <a:solidFill>
+                  <a:srgbClr val="545454"/>
+                </a:solidFill>
+                <a:latin typeface="Open Sans"/>
+                <a:ea typeface="Open Sans"/>
+                <a:cs typeface="Open Sans"/>
+                <a:sym typeface="Open Sans"/>
+              </a:rPr>
+              <a:t>possuindo</a:t>
+            </a:r>
+            <a:r>
+              <a:rPr lang="en-US" sz="2000" dirty="0">
+                <a:solidFill>
+                  <a:srgbClr val="545454"/>
+                </a:solidFill>
+                <a:latin typeface="Open Sans"/>
+                <a:ea typeface="Open Sans"/>
+                <a:cs typeface="Open Sans"/>
+                <a:sym typeface="Open Sans"/>
+              </a:rPr>
+              <a:t> </a:t>
+            </a:r>
+            <a:r>
+              <a:rPr lang="en-US" sz="2000" dirty="0" err="1">
+                <a:solidFill>
+                  <a:srgbClr val="545454"/>
+                </a:solidFill>
+                <a:latin typeface="Open Sans"/>
+                <a:ea typeface="Open Sans"/>
+                <a:cs typeface="Open Sans"/>
+                <a:sym typeface="Open Sans"/>
+              </a:rPr>
+              <a:t>relação</a:t>
+            </a:r>
+            <a:r>
+              <a:rPr lang="en-US" sz="2000" dirty="0">
+                <a:solidFill>
+                  <a:srgbClr val="545454"/>
+                </a:solidFill>
+                <a:latin typeface="Open Sans"/>
+                <a:ea typeface="Open Sans"/>
+                <a:cs typeface="Open Sans"/>
+                <a:sym typeface="Open Sans"/>
+              </a:rPr>
+              <a:t> com </a:t>
+            </a:r>
+            <a:r>
+              <a:rPr lang="en-US" sz="2000" dirty="0" err="1">
+                <a:solidFill>
+                  <a:srgbClr val="545454"/>
+                </a:solidFill>
+                <a:latin typeface="Open Sans"/>
+                <a:ea typeface="Open Sans"/>
+                <a:cs typeface="Open Sans"/>
+                <a:sym typeface="Open Sans"/>
+              </a:rPr>
+              <a:t>mais</a:t>
+            </a:r>
+            <a:r>
+              <a:rPr lang="en-US" sz="2000" dirty="0">
+                <a:solidFill>
+                  <a:srgbClr val="545454"/>
+                </a:solidFill>
+                <a:latin typeface="Open Sans"/>
+                <a:ea typeface="Open Sans"/>
+                <a:cs typeface="Open Sans"/>
+                <a:sym typeface="Open Sans"/>
+              </a:rPr>
+              <a:t> </a:t>
+            </a:r>
+            <a:r>
+              <a:rPr lang="en-US" sz="2000" dirty="0" err="1">
+                <a:solidFill>
+                  <a:srgbClr val="545454"/>
+                </a:solidFill>
+                <a:latin typeface="Open Sans"/>
+                <a:ea typeface="Open Sans"/>
+                <a:cs typeface="Open Sans"/>
+                <a:sym typeface="Open Sans"/>
+              </a:rPr>
+              <a:t>duas</a:t>
+            </a:r>
+            <a:r>
+              <a:rPr lang="en-US" sz="2000" dirty="0">
+                <a:solidFill>
+                  <a:srgbClr val="545454"/>
+                </a:solidFill>
+                <a:latin typeface="Open Sans"/>
+                <a:ea typeface="Open Sans"/>
+                <a:cs typeface="Open Sans"/>
+                <a:sym typeface="Open Sans"/>
+              </a:rPr>
+              <a:t> </a:t>
+            </a:r>
+            <a:r>
+              <a:rPr lang="en-US" sz="2000" dirty="0" err="1">
+                <a:solidFill>
+                  <a:srgbClr val="545454"/>
+                </a:solidFill>
+                <a:latin typeface="Open Sans"/>
+                <a:ea typeface="Open Sans"/>
+                <a:cs typeface="Open Sans"/>
+                <a:sym typeface="Open Sans"/>
+              </a:rPr>
+              <a:t>vértices</a:t>
+            </a:r>
+            <a:r>
+              <a:rPr lang="en-US" sz="2000" dirty="0">
+                <a:solidFill>
+                  <a:srgbClr val="545454"/>
+                </a:solidFill>
+                <a:latin typeface="Open Sans"/>
+                <a:ea typeface="Open Sans"/>
+                <a:cs typeface="Open Sans"/>
+                <a:sym typeface="Open Sans"/>
+              </a:rPr>
+              <a:t>, </a:t>
+            </a:r>
+            <a:r>
+              <a:rPr lang="en-US" sz="2000" dirty="0" err="1">
+                <a:solidFill>
+                  <a:srgbClr val="545454"/>
+                </a:solidFill>
+                <a:latin typeface="Open Sans"/>
+                <a:ea typeface="Open Sans"/>
+                <a:cs typeface="Open Sans"/>
+                <a:sym typeface="Open Sans"/>
+              </a:rPr>
+              <a:t>até</a:t>
+            </a:r>
+            <a:r>
+              <a:rPr lang="en-US" sz="2000" dirty="0">
+                <a:solidFill>
+                  <a:srgbClr val="545454"/>
+                </a:solidFill>
+                <a:latin typeface="Open Sans"/>
+                <a:ea typeface="Open Sans"/>
+                <a:cs typeface="Open Sans"/>
+                <a:sym typeface="Open Sans"/>
+              </a:rPr>
+              <a:t> a </a:t>
+            </a:r>
+            <a:r>
+              <a:rPr lang="en-US" sz="2000" dirty="0" err="1">
+                <a:solidFill>
+                  <a:srgbClr val="545454"/>
+                </a:solidFill>
+                <a:latin typeface="Open Sans"/>
+                <a:ea typeface="Open Sans"/>
+                <a:cs typeface="Open Sans"/>
+                <a:sym typeface="Open Sans"/>
+              </a:rPr>
+              <a:t>vértice</a:t>
+            </a:r>
+            <a:r>
+              <a:rPr lang="en-US" sz="2000" dirty="0">
+                <a:solidFill>
+                  <a:srgbClr val="545454"/>
+                </a:solidFill>
+                <a:latin typeface="Open Sans"/>
+                <a:ea typeface="Open Sans"/>
+                <a:cs typeface="Open Sans"/>
+                <a:sym typeface="Open Sans"/>
+              </a:rPr>
+              <a:t> final que </a:t>
+            </a:r>
+            <a:r>
+              <a:rPr lang="en-US" sz="2000" dirty="0" err="1">
+                <a:solidFill>
+                  <a:srgbClr val="545454"/>
+                </a:solidFill>
+                <a:latin typeface="Open Sans"/>
+                <a:ea typeface="Open Sans"/>
+                <a:cs typeface="Open Sans"/>
+                <a:sym typeface="Open Sans"/>
+              </a:rPr>
+              <a:t>possuirá</a:t>
+            </a:r>
+            <a:r>
+              <a:rPr lang="en-US" sz="2000" dirty="0">
+                <a:solidFill>
+                  <a:srgbClr val="545454"/>
+                </a:solidFill>
+                <a:latin typeface="Open Sans"/>
+                <a:ea typeface="Open Sans"/>
+                <a:cs typeface="Open Sans"/>
+                <a:sym typeface="Open Sans"/>
+              </a:rPr>
+              <a:t> </a:t>
+            </a:r>
+            <a:r>
+              <a:rPr lang="en-US" sz="2000" dirty="0" err="1">
+                <a:solidFill>
+                  <a:srgbClr val="545454"/>
+                </a:solidFill>
+                <a:latin typeface="Open Sans"/>
+                <a:ea typeface="Open Sans"/>
+                <a:cs typeface="Open Sans"/>
+                <a:sym typeface="Open Sans"/>
+              </a:rPr>
+              <a:t>apenas</a:t>
+            </a:r>
+            <a:r>
+              <a:rPr lang="en-US" sz="2000" dirty="0">
+                <a:solidFill>
+                  <a:srgbClr val="545454"/>
+                </a:solidFill>
+                <a:latin typeface="Open Sans"/>
+                <a:ea typeface="Open Sans"/>
+                <a:cs typeface="Open Sans"/>
+                <a:sym typeface="Open Sans"/>
+              </a:rPr>
+              <a:t> </a:t>
+            </a:r>
+            <a:r>
+              <a:rPr lang="en-US" sz="2000" dirty="0" err="1">
+                <a:solidFill>
+                  <a:srgbClr val="545454"/>
+                </a:solidFill>
+                <a:latin typeface="Open Sans"/>
+                <a:ea typeface="Open Sans"/>
+                <a:cs typeface="Open Sans"/>
+                <a:sym typeface="Open Sans"/>
+              </a:rPr>
+              <a:t>uma</a:t>
+            </a:r>
+            <a:r>
+              <a:rPr lang="en-US" sz="2000" dirty="0">
+                <a:solidFill>
+                  <a:srgbClr val="545454"/>
+                </a:solidFill>
+                <a:latin typeface="Open Sans"/>
+                <a:ea typeface="Open Sans"/>
+                <a:cs typeface="Open Sans"/>
+                <a:sym typeface="Open Sans"/>
+              </a:rPr>
+              <a:t> </a:t>
+            </a:r>
+            <a:r>
+              <a:rPr lang="en-US" sz="2000" dirty="0" err="1">
+                <a:solidFill>
+                  <a:srgbClr val="545454"/>
+                </a:solidFill>
+                <a:latin typeface="Open Sans"/>
+                <a:ea typeface="Open Sans"/>
+                <a:cs typeface="Open Sans"/>
+                <a:sym typeface="Open Sans"/>
+              </a:rPr>
+              <a:t>relação</a:t>
+            </a:r>
+            <a:endParaRPr sz="2000" dirty="0">
               <a:solidFill>
                 <a:srgbClr val="545454"/>
               </a:solidFill>
